--- a/Presentation.pptx
+++ b/Presentation.pptx
@@ -22,6 +22,7 @@
     <p:sldId id="274" r:id="rId16"/>
     <p:sldId id="275" r:id="rId17"/>
     <p:sldId id="276" r:id="rId18"/>
+    <p:sldId id="277" r:id="rId19"/>
   </p:sldIdLst>
   <p:sldSz cx="12192000" cy="6858000"/>
   <p:notesSz cx="6858000" cy="9144000"/>
@@ -275,7 +276,7 @@
           <a:p>
             <a:fld id="{F3C12519-EC21-4BCE-AAE5-1F81BFD24576}" type="datetimeFigureOut">
               <a:rPr lang="he-IL" smtClean="0"/>
-              <a:t>י"ב/אב/תשפ"ג</a:t>
+              <a:t>ט"ו/אב/תשפ"ג</a:t>
             </a:fld>
             <a:endParaRPr lang="he-IL"/>
           </a:p>
@@ -473,7 +474,7 @@
           <a:p>
             <a:fld id="{F3C12519-EC21-4BCE-AAE5-1F81BFD24576}" type="datetimeFigureOut">
               <a:rPr lang="he-IL" smtClean="0"/>
-              <a:t>י"ב/אב/תשפ"ג</a:t>
+              <a:t>ט"ו/אב/תשפ"ג</a:t>
             </a:fld>
             <a:endParaRPr lang="he-IL"/>
           </a:p>
@@ -681,7 +682,7 @@
           <a:p>
             <a:fld id="{F3C12519-EC21-4BCE-AAE5-1F81BFD24576}" type="datetimeFigureOut">
               <a:rPr lang="he-IL" smtClean="0"/>
-              <a:t>י"ב/אב/תשפ"ג</a:t>
+              <a:t>ט"ו/אב/תשפ"ג</a:t>
             </a:fld>
             <a:endParaRPr lang="he-IL"/>
           </a:p>
@@ -879,7 +880,7 @@
           <a:p>
             <a:fld id="{F3C12519-EC21-4BCE-AAE5-1F81BFD24576}" type="datetimeFigureOut">
               <a:rPr lang="he-IL" smtClean="0"/>
-              <a:t>י"ב/אב/תשפ"ג</a:t>
+              <a:t>ט"ו/אב/תשפ"ג</a:t>
             </a:fld>
             <a:endParaRPr lang="he-IL"/>
           </a:p>
@@ -1077,7 +1078,7 @@
           <a:p>
             <a:fld id="{F3C12519-EC21-4BCE-AAE5-1F81BFD24576}" type="datetimeFigureOut">
               <a:rPr lang="he-IL" smtClean="0"/>
-              <a:t>י"ב/אב/תשפ"ג</a:t>
+              <a:t>ט"ו/אב/תשפ"ג</a:t>
             </a:fld>
             <a:endParaRPr lang="he-IL"/>
           </a:p>
@@ -1352,7 +1353,7 @@
           <a:p>
             <a:fld id="{F3C12519-EC21-4BCE-AAE5-1F81BFD24576}" type="datetimeFigureOut">
               <a:rPr lang="he-IL" smtClean="0"/>
-              <a:t>י"ב/אב/תשפ"ג</a:t>
+              <a:t>ט"ו/אב/תשפ"ג</a:t>
             </a:fld>
             <a:endParaRPr lang="he-IL"/>
           </a:p>
@@ -1617,7 +1618,7 @@
           <a:p>
             <a:fld id="{F3C12519-EC21-4BCE-AAE5-1F81BFD24576}" type="datetimeFigureOut">
               <a:rPr lang="he-IL" smtClean="0"/>
-              <a:t>י"ב/אב/תשפ"ג</a:t>
+              <a:t>ט"ו/אב/תשפ"ג</a:t>
             </a:fld>
             <a:endParaRPr lang="he-IL"/>
           </a:p>
@@ -2029,7 +2030,7 @@
           <a:p>
             <a:fld id="{F3C12519-EC21-4BCE-AAE5-1F81BFD24576}" type="datetimeFigureOut">
               <a:rPr lang="he-IL" smtClean="0"/>
-              <a:t>י"ב/אב/תשפ"ג</a:t>
+              <a:t>ט"ו/אב/תשפ"ג</a:t>
             </a:fld>
             <a:endParaRPr lang="he-IL"/>
           </a:p>
@@ -2170,7 +2171,7 @@
           <a:p>
             <a:fld id="{F3C12519-EC21-4BCE-AAE5-1F81BFD24576}" type="datetimeFigureOut">
               <a:rPr lang="he-IL" smtClean="0"/>
-              <a:t>י"ב/אב/תשפ"ג</a:t>
+              <a:t>ט"ו/אב/תשפ"ג</a:t>
             </a:fld>
             <a:endParaRPr lang="he-IL"/>
           </a:p>
@@ -2283,7 +2284,7 @@
           <a:p>
             <a:fld id="{F3C12519-EC21-4BCE-AAE5-1F81BFD24576}" type="datetimeFigureOut">
               <a:rPr lang="he-IL" smtClean="0"/>
-              <a:t>י"ב/אב/תשפ"ג</a:t>
+              <a:t>ט"ו/אב/תשפ"ג</a:t>
             </a:fld>
             <a:endParaRPr lang="he-IL"/>
           </a:p>
@@ -2594,7 +2595,7 @@
           <a:p>
             <a:fld id="{F3C12519-EC21-4BCE-AAE5-1F81BFD24576}" type="datetimeFigureOut">
               <a:rPr lang="he-IL" smtClean="0"/>
-              <a:t>י"ב/אב/תשפ"ג</a:t>
+              <a:t>ט"ו/אב/תשפ"ג</a:t>
             </a:fld>
             <a:endParaRPr lang="he-IL"/>
           </a:p>
@@ -2882,7 +2883,7 @@
           <a:p>
             <a:fld id="{F3C12519-EC21-4BCE-AAE5-1F81BFD24576}" type="datetimeFigureOut">
               <a:rPr lang="he-IL" smtClean="0"/>
-              <a:t>י"ב/אב/תשפ"ג</a:t>
+              <a:t>ט"ו/אב/תשפ"ג</a:t>
             </a:fld>
             <a:endParaRPr lang="he-IL"/>
           </a:p>
@@ -3123,7 +3124,7 @@
           <a:p>
             <a:fld id="{F3C12519-EC21-4BCE-AAE5-1F81BFD24576}" type="datetimeFigureOut">
               <a:rPr lang="he-IL" smtClean="0"/>
-              <a:t>י"ב/אב/תשפ"ג</a:t>
+              <a:t>ט"ו/אב/תשפ"ג</a:t>
             </a:fld>
             <a:endParaRPr lang="he-IL"/>
           </a:p>
@@ -24064,6 +24065,2329 @@
 </p:sld>
 </file>
 
+<file path=ppt/slides/slide18.xml><?xml version="1.0" encoding="utf-8"?>
+<p:sld xmlns:a="http://schemas.openxmlformats.org/drawingml/2006/main" xmlns:r="http://schemas.openxmlformats.org/officeDocument/2006/relationships" xmlns:p="http://schemas.openxmlformats.org/presentationml/2006/main">
+  <p:cSld>
+    <p:bg>
+      <p:bgPr>
+        <a:solidFill>
+          <a:schemeClr val="bg1"/>
+        </a:solidFill>
+        <a:effectLst/>
+      </p:bgPr>
+    </p:bg>
+    <p:spTree>
+      <p:nvGrpSpPr>
+        <p:cNvPr id="1" name=""/>
+        <p:cNvGrpSpPr/>
+        <p:nvPr/>
+      </p:nvGrpSpPr>
+      <p:grpSpPr>
+        <a:xfrm>
+          <a:off x="0" y="0"/>
+          <a:ext cx="0" cy="0"/>
+          <a:chOff x="0" y="0"/>
+          <a:chExt cx="0" cy="0"/>
+        </a:xfrm>
+      </p:grpSpPr>
+      <p:sp useBgFill="1">
+        <p:nvSpPr>
+          <p:cNvPr id="10" name="Rectangle 9">
+            <a:extLst>
+              <a:ext uri="{FF2B5EF4-FFF2-40B4-BE49-F238E27FC236}">
+                <a16:creationId xmlns:a16="http://schemas.microsoft.com/office/drawing/2014/main" id="{A3363022-C969-41E9-8EB2-E4C94908C1FA}"/>
+              </a:ext>
+              <a:ext uri="{C183D7F6-B498-43B3-948B-1728B52AA6E4}">
+                <adec:decorative xmlns:adec="http://schemas.microsoft.com/office/drawing/2017/decorative" val="1"/>
+              </a:ext>
+            </a:extLst>
+          </p:cNvPr>
+          <p:cNvSpPr>
+            <a:spLocks noGrp="1" noRot="1" noChangeAspect="1" noMove="1" noResize="1" noEditPoints="1" noAdjustHandles="1" noChangeArrowheads="1" noChangeShapeType="1" noTextEdit="1"/>
+          </p:cNvSpPr>
+          <p:nvPr>
+            <p:extLst>
+              <p:ext uri="{386F3935-93C4-4BCD-93E2-E3B085C9AB24}">
+                <p16:designElem xmlns:p16="http://schemas.microsoft.com/office/powerpoint/2015/main" val="1"/>
+              </p:ext>
+            </p:extLst>
+          </p:nvPr>
+        </p:nvSpPr>
+        <p:spPr>
+          <a:xfrm>
+            <a:off x="0" y="-1"/>
+            <a:ext cx="12191695" cy="6852025"/>
+          </a:xfrm>
+          <a:prstGeom prst="rect">
+            <a:avLst/>
+          </a:prstGeom>
+          <a:ln>
+            <a:noFill/>
+          </a:ln>
+        </p:spPr>
+        <p:style>
+          <a:lnRef idx="2">
+            <a:schemeClr val="accent1">
+              <a:shade val="50000"/>
+            </a:schemeClr>
+          </a:lnRef>
+          <a:fillRef idx="1">
+            <a:schemeClr val="accent1"/>
+          </a:fillRef>
+          <a:effectRef idx="0">
+            <a:schemeClr val="accent1"/>
+          </a:effectRef>
+          <a:fontRef idx="minor">
+            <a:schemeClr val="lt1"/>
+          </a:fontRef>
+        </p:style>
+        <p:txBody>
+          <a:bodyPr rtlCol="0" anchor="ctr"/>
+          <a:lstStyle/>
+          <a:p>
+            <a:pPr algn="ctr"/>
+            <a:endParaRPr lang="en-US"/>
+          </a:p>
+        </p:txBody>
+      </p:sp>
+      <p:sp>
+        <p:nvSpPr>
+          <p:cNvPr id="12" name="Rectangle 11">
+            <a:extLst>
+              <a:ext uri="{FF2B5EF4-FFF2-40B4-BE49-F238E27FC236}">
+                <a16:creationId xmlns:a16="http://schemas.microsoft.com/office/drawing/2014/main" id="{8D1AD6B3-BE88-4CEB-BA17-790657CC4729}"/>
+              </a:ext>
+              <a:ext uri="{C183D7F6-B498-43B3-948B-1728B52AA6E4}">
+                <adec:decorative xmlns:adec="http://schemas.microsoft.com/office/drawing/2017/decorative" val="1"/>
+              </a:ext>
+            </a:extLst>
+          </p:cNvPr>
+          <p:cNvSpPr>
+            <a:spLocks noGrp="1" noRot="1" noChangeAspect="1" noMove="1" noResize="1" noEditPoints="1" noAdjustHandles="1" noChangeArrowheads="1" noChangeShapeType="1" noTextEdit="1"/>
+          </p:cNvSpPr>
+          <p:nvPr>
+            <p:extLst>
+              <p:ext uri="{386F3935-93C4-4BCD-93E2-E3B085C9AB24}">
+                <p16:designElem xmlns:p16="http://schemas.microsoft.com/office/powerpoint/2015/main" val="1"/>
+              </p:ext>
+            </p:extLst>
+          </p:nvPr>
+        </p:nvSpPr>
+        <p:spPr>
+          <a:xfrm>
+            <a:off x="305" y="0"/>
+            <a:ext cx="12191695" cy="6858000"/>
+          </a:xfrm>
+          <a:prstGeom prst="rect">
+            <a:avLst/>
+          </a:prstGeom>
+          <a:solidFill>
+            <a:schemeClr val="bg1"/>
+          </a:solidFill>
+          <a:ln>
+            <a:noFill/>
+          </a:ln>
+        </p:spPr>
+        <p:style>
+          <a:lnRef idx="2">
+            <a:schemeClr val="accent1">
+              <a:shade val="50000"/>
+            </a:schemeClr>
+          </a:lnRef>
+          <a:fillRef idx="1">
+            <a:schemeClr val="accent1"/>
+          </a:fillRef>
+          <a:effectRef idx="0">
+            <a:schemeClr val="accent1"/>
+          </a:effectRef>
+          <a:fontRef idx="minor">
+            <a:schemeClr val="lt1"/>
+          </a:fontRef>
+        </p:style>
+        <p:txBody>
+          <a:bodyPr rtlCol="0" anchor="ctr"/>
+          <a:lstStyle/>
+          <a:p>
+            <a:pPr algn="ctr"/>
+            <a:endParaRPr lang="en-US"/>
+          </a:p>
+        </p:txBody>
+      </p:sp>
+      <p:sp>
+        <p:nvSpPr>
+          <p:cNvPr id="2" name="כותרת 1">
+            <a:extLst>
+              <a:ext uri="{FF2B5EF4-FFF2-40B4-BE49-F238E27FC236}">
+                <a16:creationId xmlns:a16="http://schemas.microsoft.com/office/drawing/2014/main" id="{7A9F941C-DE88-A15A-3B85-CDE1B525F0A0}"/>
+              </a:ext>
+            </a:extLst>
+          </p:cNvPr>
+          <p:cNvSpPr>
+            <a:spLocks noGrp="1"/>
+          </p:cNvSpPr>
+          <p:nvPr>
+            <p:ph type="title"/>
+          </p:nvPr>
+        </p:nvSpPr>
+        <p:spPr>
+          <a:xfrm>
+            <a:off x="6590662" y="4267832"/>
+            <a:ext cx="4805996" cy="1297115"/>
+          </a:xfrm>
+        </p:spPr>
+        <p:txBody>
+          <a:bodyPr vert="horz" lIns="91440" tIns="45720" rIns="91440" bIns="45720" rtlCol="0" anchor="t">
+            <a:normAutofit/>
+          </a:bodyPr>
+          <a:lstStyle/>
+          <a:p>
+            <a:pPr algn="l" rtl="0"/>
+            <a:r>
+              <a:rPr lang="en-US" sz="4000" kern="1200">
+                <a:solidFill>
+                  <a:schemeClr val="tx2"/>
+                </a:solidFill>
+                <a:latin typeface="+mj-lt"/>
+                <a:ea typeface="+mj-ea"/>
+                <a:cs typeface="+mj-cs"/>
+              </a:rPr>
+              <a:t>Thank You!</a:t>
+            </a:r>
+          </a:p>
+        </p:txBody>
+      </p:sp>
+      <p:pic>
+        <p:nvPicPr>
+          <p:cNvPr id="7" name="Graphic 6" descr="לחיצת יד">
+            <a:extLst>
+              <a:ext uri="{FF2B5EF4-FFF2-40B4-BE49-F238E27FC236}">
+                <a16:creationId xmlns:a16="http://schemas.microsoft.com/office/drawing/2014/main" id="{8DC8FE3F-55C1-75A1-387E-721C60B80460}"/>
+              </a:ext>
+            </a:extLst>
+          </p:cNvPr>
+          <p:cNvPicPr>
+            <a:picLocks noChangeAspect="1"/>
+          </p:cNvPicPr>
+          <p:nvPr/>
+        </p:nvPicPr>
+        <p:blipFill>
+          <a:blip r:embed="rId2">
+            <a:extLst>
+              <a:ext uri="{28A0092B-C50C-407E-A947-70E740481C1C}">
+                <a14:useLocalDpi xmlns:a14="http://schemas.microsoft.com/office/drawing/2010/main" val="0"/>
+              </a:ext>
+              <a:ext uri="{96DAC541-7B7A-43D3-8B79-37D633B846F1}">
+                <asvg:svgBlip xmlns:asvg="http://schemas.microsoft.com/office/drawing/2016/SVG/main" r:embed="rId3"/>
+              </a:ext>
+            </a:extLst>
+          </a:blip>
+          <a:stretch>
+            <a:fillRect/>
+          </a:stretch>
+        </p:blipFill>
+        <p:spPr>
+          <a:xfrm>
+            <a:off x="340470" y="1815320"/>
+            <a:ext cx="4141760" cy="4141760"/>
+          </a:xfrm>
+          <a:custGeom>
+            <a:avLst/>
+            <a:gdLst/>
+            <a:ahLst/>
+            <a:cxnLst/>
+            <a:rect l="l" t="t" r="r" b="b"/>
+            <a:pathLst>
+              <a:path w="4141760" h="4377846">
+                <a:moveTo>
+                  <a:pt x="0" y="0"/>
+                </a:moveTo>
+                <a:lnTo>
+                  <a:pt x="4141760" y="0"/>
+                </a:lnTo>
+                <a:lnTo>
+                  <a:pt x="4141760" y="4377846"/>
+                </a:lnTo>
+                <a:lnTo>
+                  <a:pt x="0" y="4377846"/>
+                </a:lnTo>
+                <a:close/>
+              </a:path>
+            </a:pathLst>
+          </a:custGeom>
+        </p:spPr>
+      </p:pic>
+      <p:grpSp>
+        <p:nvGrpSpPr>
+          <p:cNvPr id="14" name="Group 13">
+            <a:extLst>
+              <a:ext uri="{FF2B5EF4-FFF2-40B4-BE49-F238E27FC236}">
+                <a16:creationId xmlns:a16="http://schemas.microsoft.com/office/drawing/2014/main" id="{89D1390B-7E13-4B4F-9CB2-391063412E54}"/>
+              </a:ext>
+              <a:ext uri="{C183D7F6-B498-43B3-948B-1728B52AA6E4}">
+                <adec:decorative xmlns:adec="http://schemas.microsoft.com/office/drawing/2017/decorative" val="1"/>
+              </a:ext>
+            </a:extLst>
+          </p:cNvPr>
+          <p:cNvGrpSpPr>
+            <a:grpSpLocks noGrp="1" noUngrp="1" noRot="1" noChangeAspect="1" noMove="1" noResize="1"/>
+          </p:cNvGrpSpPr>
+          <p:nvPr>
+            <p:extLst>
+              <p:ext uri="{386F3935-93C4-4BCD-93E2-E3B085C9AB24}">
+                <p16:designElem xmlns:p16="http://schemas.microsoft.com/office/powerpoint/2015/main" val="1"/>
+              </p:ext>
+            </p:extLst>
+          </p:nvPr>
+        </p:nvGrpSpPr>
+        <p:grpSpPr>
+          <a:xfrm>
+            <a:off x="-4253" y="-5977"/>
+            <a:ext cx="6238675" cy="6863979"/>
+            <a:chOff x="305" y="-5977"/>
+            <a:chExt cx="6238675" cy="6863979"/>
+          </a:xfrm>
+        </p:grpSpPr>
+        <p:sp>
+          <p:nvSpPr>
+            <p:cNvPr id="15" name="Freeform: Shape 14">
+              <a:extLst>
+                <a:ext uri="{FF2B5EF4-FFF2-40B4-BE49-F238E27FC236}">
+                  <a16:creationId xmlns:a16="http://schemas.microsoft.com/office/drawing/2014/main" id="{9E720206-AA49-4786-A932-A2650DE09183}"/>
+                </a:ext>
+                <a:ext uri="{C183D7F6-B498-43B3-948B-1728B52AA6E4}">
+                  <adec:decorative xmlns:adec="http://schemas.microsoft.com/office/drawing/2017/decorative" val="1"/>
+                </a:ext>
+              </a:extLst>
+            </p:cNvPr>
+            <p:cNvSpPr/>
+            <p:nvPr>
+              <p:extLst>
+                <p:ext uri="{386F3935-93C4-4BCD-93E2-E3B085C9AB24}">
+                  <p16:designElem xmlns:p16="http://schemas.microsoft.com/office/powerpoint/2015/main" val="1"/>
+                </p:ext>
+              </p:extLst>
+            </p:nvPr>
+          </p:nvSpPr>
+          <p:spPr>
+            <a:xfrm flipH="1">
+              <a:off x="305" y="34854"/>
+              <a:ext cx="6028697" cy="6817170"/>
+            </a:xfrm>
+            <a:custGeom>
+              <a:avLst/>
+              <a:gdLst>
+                <a:gd name="connsiteX0" fmla="*/ 6028697 w 6028697"/>
+                <a:gd name="connsiteY0" fmla="*/ 6155323 h 6817170"/>
+                <a:gd name="connsiteX1" fmla="*/ 6028697 w 6028697"/>
+                <a:gd name="connsiteY1" fmla="*/ 6817170 h 6817170"/>
+                <a:gd name="connsiteX2" fmla="*/ 5157862 w 6028697"/>
+                <a:gd name="connsiteY2" fmla="*/ 6817170 h 6817170"/>
+                <a:gd name="connsiteX3" fmla="*/ 5347156 w 6028697"/>
+                <a:gd name="connsiteY3" fmla="*/ 6687553 h 6817170"/>
+                <a:gd name="connsiteX4" fmla="*/ 5487470 w 6028697"/>
+                <a:gd name="connsiteY4" fmla="*/ 6581714 h 6817170"/>
+                <a:gd name="connsiteX5" fmla="*/ 5627642 w 6028697"/>
+                <a:gd name="connsiteY5" fmla="*/ 6472328 h 6817170"/>
+                <a:gd name="connsiteX6" fmla="*/ 5911392 w 6028697"/>
+                <a:gd name="connsiteY6" fmla="*/ 6245328 h 6817170"/>
+                <a:gd name="connsiteX7" fmla="*/ 4481066 w 6028697"/>
+                <a:gd name="connsiteY7" fmla="*/ 478 h 6817170"/>
+                <a:gd name="connsiteX8" fmla="*/ 4672258 w 6028697"/>
+                <a:gd name="connsiteY8" fmla="*/ 7519 h 6817170"/>
+                <a:gd name="connsiteX9" fmla="*/ 5429869 w 6028697"/>
+                <a:gd name="connsiteY9" fmla="*/ 125134 h 6817170"/>
+                <a:gd name="connsiteX10" fmla="*/ 5976319 w 6028697"/>
+                <a:gd name="connsiteY10" fmla="*/ 314893 h 6817170"/>
+                <a:gd name="connsiteX11" fmla="*/ 6028697 w 6028697"/>
+                <a:gd name="connsiteY11" fmla="*/ 339901 h 6817170"/>
+                <a:gd name="connsiteX12" fmla="*/ 6028697 w 6028697"/>
+                <a:gd name="connsiteY12" fmla="*/ 732458 h 6817170"/>
+                <a:gd name="connsiteX13" fmla="*/ 5990985 w 6028697"/>
+                <a:gd name="connsiteY13" fmla="*/ 712211 h 6817170"/>
+                <a:gd name="connsiteX14" fmla="*/ 5341339 w 6028697"/>
+                <a:gd name="connsiteY14" fmla="*/ 475281 h 6817170"/>
+                <a:gd name="connsiteX15" fmla="*/ 4651969 w 6028697"/>
+                <a:gd name="connsiteY15" fmla="*/ 377104 h 6817170"/>
+                <a:gd name="connsiteX16" fmla="*/ 3953093 w 6028697"/>
+                <a:gd name="connsiteY16" fmla="*/ 402498 h 6817170"/>
+                <a:gd name="connsiteX17" fmla="*/ 3267413 w 6028697"/>
+                <a:gd name="connsiteY17" fmla="*/ 546643 h 6817170"/>
+                <a:gd name="connsiteX18" fmla="*/ 1439498 w 6028697"/>
+                <a:gd name="connsiteY18" fmla="*/ 1568141 h 6817170"/>
+                <a:gd name="connsiteX19" fmla="*/ 960671 w 6028697"/>
+                <a:gd name="connsiteY19" fmla="*/ 2082013 h 6817170"/>
+                <a:gd name="connsiteX20" fmla="*/ 581866 w 6028697"/>
+                <a:gd name="connsiteY20" fmla="*/ 2672638 h 6817170"/>
+                <a:gd name="connsiteX21" fmla="*/ 324789 w 6028697"/>
+                <a:gd name="connsiteY21" fmla="*/ 3325262 h 6817170"/>
+                <a:gd name="connsiteX22" fmla="*/ 231151 w 6028697"/>
+                <a:gd name="connsiteY22" fmla="*/ 4022292 h 6817170"/>
+                <a:gd name="connsiteX23" fmla="*/ 270592 w 6028697"/>
+                <a:gd name="connsiteY23" fmla="*/ 4362792 h 6817170"/>
+                <a:gd name="connsiteX24" fmla="*/ 387213 w 6028697"/>
+                <a:gd name="connsiteY24" fmla="*/ 4681585 h 6817170"/>
+                <a:gd name="connsiteX25" fmla="*/ 468507 w 6028697"/>
+                <a:gd name="connsiteY25" fmla="*/ 4831546 h 6817170"/>
+                <a:gd name="connsiteX26" fmla="*/ 561862 w 6028697"/>
+                <a:gd name="connsiteY26" fmla="*/ 4976826 h 6817170"/>
+                <a:gd name="connsiteX27" fmla="*/ 777511 w 6028697"/>
+                <a:gd name="connsiteY27" fmla="*/ 5257597 h 6817170"/>
+                <a:gd name="connsiteX28" fmla="*/ 1010895 w 6028697"/>
+                <a:gd name="connsiteY28" fmla="*/ 5540494 h 6817170"/>
+                <a:gd name="connsiteX29" fmla="*/ 1126948 w 6028697"/>
+                <a:gd name="connsiteY29" fmla="*/ 5688186 h 6817170"/>
+                <a:gd name="connsiteX30" fmla="*/ 1182706 w 6028697"/>
+                <a:gd name="connsiteY30" fmla="*/ 5760543 h 6817170"/>
+                <a:gd name="connsiteX31" fmla="*/ 1237327 w 6028697"/>
+                <a:gd name="connsiteY31" fmla="*/ 5830060 h 6817170"/>
+                <a:gd name="connsiteX32" fmla="*/ 1706649 w 6028697"/>
+                <a:gd name="connsiteY32" fmla="*/ 6342797 h 6817170"/>
+                <a:gd name="connsiteX33" fmla="*/ 1956207 w 6028697"/>
+                <a:gd name="connsiteY33" fmla="*/ 6573484 h 6817170"/>
+                <a:gd name="connsiteX34" fmla="*/ 2217681 w 6028697"/>
+                <a:gd name="connsiteY34" fmla="*/ 6786297 h 6817170"/>
+                <a:gd name="connsiteX35" fmla="*/ 2260820 w 6028697"/>
+                <a:gd name="connsiteY35" fmla="*/ 6817170 h 6817170"/>
+                <a:gd name="connsiteX36" fmla="*/ 1429497 w 6028697"/>
+                <a:gd name="connsiteY36" fmla="*/ 6817170 h 6817170"/>
+                <a:gd name="connsiteX37" fmla="*/ 1327275 w 6028697"/>
+                <a:gd name="connsiteY37" fmla="*/ 6713800 h 6817170"/>
+                <a:gd name="connsiteX38" fmla="*/ 1080556 w 6028697"/>
+                <a:gd name="connsiteY38" fmla="*/ 6414443 h 6817170"/>
+                <a:gd name="connsiteX39" fmla="*/ 865189 w 6028697"/>
+                <a:gd name="connsiteY39" fmla="*/ 6097496 h 6817170"/>
+                <a:gd name="connsiteX40" fmla="*/ 814823 w 6028697"/>
+                <a:gd name="connsiteY40" fmla="*/ 6016911 h 6817170"/>
+                <a:gd name="connsiteX41" fmla="*/ 766729 w 6028697"/>
+                <a:gd name="connsiteY41" fmla="*/ 5938453 h 6817170"/>
+                <a:gd name="connsiteX42" fmla="*/ 671672 w 6028697"/>
+                <a:gd name="connsiteY42" fmla="*/ 5786648 h 6817170"/>
+                <a:gd name="connsiteX43" fmla="*/ 474608 w 6028697"/>
+                <a:gd name="connsiteY43" fmla="*/ 5474664 h 6817170"/>
+                <a:gd name="connsiteX44" fmla="*/ 282652 w 6028697"/>
+                <a:gd name="connsiteY44" fmla="*/ 5146508 h 6817170"/>
+                <a:gd name="connsiteX45" fmla="*/ 196108 w 6028697"/>
+                <a:gd name="connsiteY45" fmla="*/ 4972712 h 6817170"/>
+                <a:gd name="connsiteX46" fmla="*/ 122474 w 6028697"/>
+                <a:gd name="connsiteY46" fmla="*/ 4791821 h 6817170"/>
+                <a:gd name="connsiteX47" fmla="*/ 65724 w 6028697"/>
+                <a:gd name="connsiteY47" fmla="*/ 4603129 h 6817170"/>
+                <a:gd name="connsiteX48" fmla="*/ 44727 w 6028697"/>
+                <a:gd name="connsiteY48" fmla="*/ 4506937 h 6817170"/>
+                <a:gd name="connsiteX49" fmla="*/ 35505 w 6028697"/>
+                <a:gd name="connsiteY49" fmla="*/ 4458699 h 6817170"/>
+                <a:gd name="connsiteX50" fmla="*/ 27845 w 6028697"/>
+                <a:gd name="connsiteY50" fmla="*/ 4410320 h 6817170"/>
+                <a:gd name="connsiteX51" fmla="*/ 37 w 6028697"/>
+                <a:gd name="connsiteY51" fmla="*/ 4022292 h 6817170"/>
+                <a:gd name="connsiteX52" fmla="*/ 78777 w 6028697"/>
+                <a:gd name="connsiteY52" fmla="*/ 3267236 h 6817170"/>
+                <a:gd name="connsiteX53" fmla="*/ 315424 w 6028697"/>
+                <a:gd name="connsiteY53" fmla="*/ 2543673 h 6817170"/>
+                <a:gd name="connsiteX54" fmla="*/ 1202710 w 6028697"/>
+                <a:gd name="connsiteY54" fmla="*/ 1314895 h 6817170"/>
+                <a:gd name="connsiteX55" fmla="*/ 1791065 w 6028697"/>
+                <a:gd name="connsiteY55" fmla="*/ 833514 h 6817170"/>
+                <a:gd name="connsiteX56" fmla="*/ 3908404 w 6028697"/>
+                <a:gd name="connsiteY56" fmla="*/ 29794 h 6817170"/>
+                <a:gd name="connsiteX57" fmla="*/ 4481066 w 6028697"/>
+                <a:gd name="connsiteY57" fmla="*/ 478 h 6817170"/>
+              </a:gdLst>
+              <a:ahLst/>
+              <a:cxnLst>
+                <a:cxn ang="0">
+                  <a:pos x="connsiteX0" y="connsiteY0"/>
+                </a:cxn>
+                <a:cxn ang="0">
+                  <a:pos x="connsiteX1" y="connsiteY1"/>
+                </a:cxn>
+                <a:cxn ang="0">
+                  <a:pos x="connsiteX2" y="connsiteY2"/>
+                </a:cxn>
+                <a:cxn ang="0">
+                  <a:pos x="connsiteX3" y="connsiteY3"/>
+                </a:cxn>
+                <a:cxn ang="0">
+                  <a:pos x="connsiteX4" y="connsiteY4"/>
+                </a:cxn>
+                <a:cxn ang="0">
+                  <a:pos x="connsiteX5" y="connsiteY5"/>
+                </a:cxn>
+                <a:cxn ang="0">
+                  <a:pos x="connsiteX6" y="connsiteY6"/>
+                </a:cxn>
+                <a:cxn ang="0">
+                  <a:pos x="connsiteX7" y="connsiteY7"/>
+                </a:cxn>
+                <a:cxn ang="0">
+                  <a:pos x="connsiteX8" y="connsiteY8"/>
+                </a:cxn>
+                <a:cxn ang="0">
+                  <a:pos x="connsiteX9" y="connsiteY9"/>
+                </a:cxn>
+                <a:cxn ang="0">
+                  <a:pos x="connsiteX10" y="connsiteY10"/>
+                </a:cxn>
+                <a:cxn ang="0">
+                  <a:pos x="connsiteX11" y="connsiteY11"/>
+                </a:cxn>
+                <a:cxn ang="0">
+                  <a:pos x="connsiteX12" y="connsiteY12"/>
+                </a:cxn>
+                <a:cxn ang="0">
+                  <a:pos x="connsiteX13" y="connsiteY13"/>
+                </a:cxn>
+                <a:cxn ang="0">
+                  <a:pos x="connsiteX14" y="connsiteY14"/>
+                </a:cxn>
+                <a:cxn ang="0">
+                  <a:pos x="connsiteX15" y="connsiteY15"/>
+                </a:cxn>
+                <a:cxn ang="0">
+                  <a:pos x="connsiteX16" y="connsiteY16"/>
+                </a:cxn>
+                <a:cxn ang="0">
+                  <a:pos x="connsiteX17" y="connsiteY17"/>
+                </a:cxn>
+                <a:cxn ang="0">
+                  <a:pos x="connsiteX18" y="connsiteY18"/>
+                </a:cxn>
+                <a:cxn ang="0">
+                  <a:pos x="connsiteX19" y="connsiteY19"/>
+                </a:cxn>
+                <a:cxn ang="0">
+                  <a:pos x="connsiteX20" y="connsiteY20"/>
+                </a:cxn>
+                <a:cxn ang="0">
+                  <a:pos x="connsiteX21" y="connsiteY21"/>
+                </a:cxn>
+                <a:cxn ang="0">
+                  <a:pos x="connsiteX22" y="connsiteY22"/>
+                </a:cxn>
+                <a:cxn ang="0">
+                  <a:pos x="connsiteX23" y="connsiteY23"/>
+                </a:cxn>
+                <a:cxn ang="0">
+                  <a:pos x="connsiteX24" y="connsiteY24"/>
+                </a:cxn>
+                <a:cxn ang="0">
+                  <a:pos x="connsiteX25" y="connsiteY25"/>
+                </a:cxn>
+                <a:cxn ang="0">
+                  <a:pos x="connsiteX26" y="connsiteY26"/>
+                </a:cxn>
+                <a:cxn ang="0">
+                  <a:pos x="connsiteX27" y="connsiteY27"/>
+                </a:cxn>
+                <a:cxn ang="0">
+                  <a:pos x="connsiteX28" y="connsiteY28"/>
+                </a:cxn>
+                <a:cxn ang="0">
+                  <a:pos x="connsiteX29" y="connsiteY29"/>
+                </a:cxn>
+                <a:cxn ang="0">
+                  <a:pos x="connsiteX30" y="connsiteY30"/>
+                </a:cxn>
+                <a:cxn ang="0">
+                  <a:pos x="connsiteX31" y="connsiteY31"/>
+                </a:cxn>
+                <a:cxn ang="0">
+                  <a:pos x="connsiteX32" y="connsiteY32"/>
+                </a:cxn>
+                <a:cxn ang="0">
+                  <a:pos x="connsiteX33" y="connsiteY33"/>
+                </a:cxn>
+                <a:cxn ang="0">
+                  <a:pos x="connsiteX34" y="connsiteY34"/>
+                </a:cxn>
+                <a:cxn ang="0">
+                  <a:pos x="connsiteX35" y="connsiteY35"/>
+                </a:cxn>
+                <a:cxn ang="0">
+                  <a:pos x="connsiteX36" y="connsiteY36"/>
+                </a:cxn>
+                <a:cxn ang="0">
+                  <a:pos x="connsiteX37" y="connsiteY37"/>
+                </a:cxn>
+                <a:cxn ang="0">
+                  <a:pos x="connsiteX38" y="connsiteY38"/>
+                </a:cxn>
+                <a:cxn ang="0">
+                  <a:pos x="connsiteX39" y="connsiteY39"/>
+                </a:cxn>
+                <a:cxn ang="0">
+                  <a:pos x="connsiteX40" y="connsiteY40"/>
+                </a:cxn>
+                <a:cxn ang="0">
+                  <a:pos x="connsiteX41" y="connsiteY41"/>
+                </a:cxn>
+                <a:cxn ang="0">
+                  <a:pos x="connsiteX42" y="connsiteY42"/>
+                </a:cxn>
+                <a:cxn ang="0">
+                  <a:pos x="connsiteX43" y="connsiteY43"/>
+                </a:cxn>
+                <a:cxn ang="0">
+                  <a:pos x="connsiteX44" y="connsiteY44"/>
+                </a:cxn>
+                <a:cxn ang="0">
+                  <a:pos x="connsiteX45" y="connsiteY45"/>
+                </a:cxn>
+                <a:cxn ang="0">
+                  <a:pos x="connsiteX46" y="connsiteY46"/>
+                </a:cxn>
+                <a:cxn ang="0">
+                  <a:pos x="connsiteX47" y="connsiteY47"/>
+                </a:cxn>
+                <a:cxn ang="0">
+                  <a:pos x="connsiteX48" y="connsiteY48"/>
+                </a:cxn>
+                <a:cxn ang="0">
+                  <a:pos x="connsiteX49" y="connsiteY49"/>
+                </a:cxn>
+                <a:cxn ang="0">
+                  <a:pos x="connsiteX50" y="connsiteY50"/>
+                </a:cxn>
+                <a:cxn ang="0">
+                  <a:pos x="connsiteX51" y="connsiteY51"/>
+                </a:cxn>
+                <a:cxn ang="0">
+                  <a:pos x="connsiteX52" y="connsiteY52"/>
+                </a:cxn>
+                <a:cxn ang="0">
+                  <a:pos x="connsiteX53" y="connsiteY53"/>
+                </a:cxn>
+                <a:cxn ang="0">
+                  <a:pos x="connsiteX54" y="connsiteY54"/>
+                </a:cxn>
+                <a:cxn ang="0">
+                  <a:pos x="connsiteX55" y="connsiteY55"/>
+                </a:cxn>
+                <a:cxn ang="0">
+                  <a:pos x="connsiteX56" y="connsiteY56"/>
+                </a:cxn>
+                <a:cxn ang="0">
+                  <a:pos x="connsiteX57" y="connsiteY57"/>
+                </a:cxn>
+              </a:cxnLst>
+              <a:rect l="l" t="t" r="r" b="b"/>
+              <a:pathLst>
+                <a:path w="6028697" h="6817170">
+                  <a:moveTo>
+                    <a:pt x="6028697" y="6155323"/>
+                  </a:moveTo>
+                  <a:lnTo>
+                    <a:pt x="6028697" y="6817170"/>
+                  </a:lnTo>
+                  <a:lnTo>
+                    <a:pt x="5157862" y="6817170"/>
+                  </a:lnTo>
+                  <a:lnTo>
+                    <a:pt x="5347156" y="6687553"/>
+                  </a:lnTo>
+                  <a:cubicBezTo>
+                    <a:pt x="5394117" y="6653219"/>
+                    <a:pt x="5440793" y="6617608"/>
+                    <a:pt x="5487470" y="6581714"/>
+                  </a:cubicBezTo>
+                  <a:cubicBezTo>
+                    <a:pt x="5534147" y="6545820"/>
+                    <a:pt x="5580966" y="6509358"/>
+                    <a:pt x="5627642" y="6472328"/>
+                  </a:cubicBezTo>
+                  <a:lnTo>
+                    <a:pt x="5911392" y="6245328"/>
+                  </a:lnTo>
+                  <a:close/>
+                  <a:moveTo>
+                    <a:pt x="4481066" y="478"/>
+                  </a:moveTo>
+                  <a:cubicBezTo>
+                    <a:pt x="4544817" y="1422"/>
+                    <a:pt x="4608563" y="3769"/>
+                    <a:pt x="4672258" y="7519"/>
+                  </a:cubicBezTo>
+                  <a:cubicBezTo>
+                    <a:pt x="4927973" y="22364"/>
+                    <a:pt x="5181687" y="61751"/>
+                    <a:pt x="5429869" y="125134"/>
+                  </a:cubicBezTo>
+                  <a:cubicBezTo>
+                    <a:pt x="5617090" y="173104"/>
+                    <a:pt x="5799867" y="236595"/>
+                    <a:pt x="5976319" y="314893"/>
+                  </a:cubicBezTo>
+                  <a:lnTo>
+                    <a:pt x="6028697" y="339901"/>
+                  </a:lnTo>
+                  <a:lnTo>
+                    <a:pt x="6028697" y="732458"/>
+                  </a:lnTo>
+                  <a:lnTo>
+                    <a:pt x="5990985" y="712211"/>
+                  </a:lnTo>
+                  <a:cubicBezTo>
+                    <a:pt x="5783917" y="609342"/>
+                    <a:pt x="5566013" y="529876"/>
+                    <a:pt x="5341339" y="475281"/>
+                  </a:cubicBezTo>
+                  <a:cubicBezTo>
+                    <a:pt x="5115233" y="420503"/>
+                    <a:pt x="4884375" y="387624"/>
+                    <a:pt x="4651969" y="377104"/>
+                  </a:cubicBezTo>
+                  <a:cubicBezTo>
+                    <a:pt x="4418713" y="365171"/>
+                    <a:pt x="4184861" y="373670"/>
+                    <a:pt x="3953093" y="402498"/>
+                  </a:cubicBezTo>
+                  <a:cubicBezTo>
+                    <a:pt x="3721001" y="431832"/>
+                    <a:pt x="3491675" y="480040"/>
+                    <a:pt x="3267413" y="546643"/>
+                  </a:cubicBezTo>
+                  <a:cubicBezTo>
+                    <a:pt x="2591323" y="750761"/>
+                    <a:pt x="1967642" y="1099289"/>
+                    <a:pt x="1439498" y="1568141"/>
+                  </a:cubicBezTo>
+                  <a:cubicBezTo>
+                    <a:pt x="1265589" y="1725523"/>
+                    <a:pt x="1105393" y="1897434"/>
+                    <a:pt x="960671" y="2082013"/>
+                  </a:cubicBezTo>
+                  <a:cubicBezTo>
+                    <a:pt x="815775" y="2266294"/>
+                    <a:pt x="688923" y="2464081"/>
+                    <a:pt x="581866" y="2672638"/>
+                  </a:cubicBezTo>
+                  <a:cubicBezTo>
+                    <a:pt x="473765" y="2880669"/>
+                    <a:pt x="387610" y="3099397"/>
+                    <a:pt x="324789" y="3325262"/>
+                  </a:cubicBezTo>
+                  <a:cubicBezTo>
+                    <a:pt x="262714" y="3552403"/>
+                    <a:pt x="231223" y="3786822"/>
+                    <a:pt x="231151" y="4022292"/>
+                  </a:cubicBezTo>
+                  <a:cubicBezTo>
+                    <a:pt x="231413" y="4136912"/>
+                    <a:pt x="244645" y="4251136"/>
+                    <a:pt x="270592" y="4362792"/>
+                  </a:cubicBezTo>
+                  <a:cubicBezTo>
+                    <a:pt x="297885" y="4472943"/>
+                    <a:pt x="336983" y="4579833"/>
+                    <a:pt x="387213" y="4681585"/>
+                  </a:cubicBezTo>
+                  <a:cubicBezTo>
+                    <a:pt x="412042" y="4732517"/>
+                    <a:pt x="439423" y="4782457"/>
+                    <a:pt x="468507" y="4831546"/>
+                  </a:cubicBezTo>
+                  <a:cubicBezTo>
+                    <a:pt x="497591" y="4880636"/>
+                    <a:pt x="529230" y="4929015"/>
+                    <a:pt x="561862" y="4976826"/>
+                  </a:cubicBezTo>
+                  <a:cubicBezTo>
+                    <a:pt x="627975" y="5072166"/>
+                    <a:pt x="701466" y="5164668"/>
+                    <a:pt x="777511" y="5257597"/>
+                  </a:cubicBezTo>
+                  <a:cubicBezTo>
+                    <a:pt x="853556" y="5350524"/>
+                    <a:pt x="933574" y="5443594"/>
+                    <a:pt x="1010895" y="5540494"/>
+                  </a:cubicBezTo>
+                  <a:cubicBezTo>
+                    <a:pt x="1049957" y="5588732"/>
+                    <a:pt x="1088642" y="5637963"/>
+                    <a:pt x="1126948" y="5688186"/>
+                  </a:cubicBezTo>
+                  <a:lnTo>
+                    <a:pt x="1182706" y="5760543"/>
+                  </a:lnTo>
+                  <a:cubicBezTo>
+                    <a:pt x="1201007" y="5783669"/>
+                    <a:pt x="1218458" y="5807503"/>
+                    <a:pt x="1237327" y="5830060"/>
+                  </a:cubicBezTo>
+                  <a:cubicBezTo>
+                    <a:pt x="1383714" y="6009916"/>
+                    <a:pt x="1540413" y="6181116"/>
+                    <a:pt x="1706649" y="6342797"/>
+                  </a:cubicBezTo>
+                  <a:cubicBezTo>
+                    <a:pt x="1788084" y="6422531"/>
+                    <a:pt x="1871265" y="6499427"/>
+                    <a:pt x="1956207" y="6573484"/>
+                  </a:cubicBezTo>
+                  <a:cubicBezTo>
+                    <a:pt x="2041332" y="6647402"/>
+                    <a:pt x="2127733" y="6718907"/>
+                    <a:pt x="2217681" y="6786297"/>
+                  </a:cubicBezTo>
+                  <a:lnTo>
+                    <a:pt x="2260820" y="6817170"/>
+                  </a:lnTo>
+                  <a:lnTo>
+                    <a:pt x="1429497" y="6817170"/>
+                  </a:lnTo>
+                  <a:lnTo>
+                    <a:pt x="1327275" y="6713800"/>
+                  </a:lnTo>
+                  <a:cubicBezTo>
+                    <a:pt x="1239186" y="6618984"/>
+                    <a:pt x="1156797" y="6519019"/>
+                    <a:pt x="1080556" y="6414443"/>
+                  </a:cubicBezTo>
+                  <a:cubicBezTo>
+                    <a:pt x="1004653" y="6310734"/>
+                    <a:pt x="932439" y="6205177"/>
+                    <a:pt x="865189" y="6097496"/>
+                  </a:cubicBezTo>
+                  <a:cubicBezTo>
+                    <a:pt x="847881" y="6070823"/>
+                    <a:pt x="831565" y="6043725"/>
+                    <a:pt x="814823" y="6016911"/>
+                  </a:cubicBezTo>
+                  <a:lnTo>
+                    <a:pt x="766729" y="5938453"/>
+                  </a:lnTo>
+                  <a:cubicBezTo>
+                    <a:pt x="735941" y="5887947"/>
+                    <a:pt x="703878" y="5837581"/>
+                    <a:pt x="671672" y="5786648"/>
+                  </a:cubicBezTo>
+                  <a:lnTo>
+                    <a:pt x="474608" y="5474664"/>
+                  </a:lnTo>
+                  <a:cubicBezTo>
+                    <a:pt x="408778" y="5368968"/>
+                    <a:pt x="343516" y="5260008"/>
+                    <a:pt x="282652" y="5146508"/>
+                  </a:cubicBezTo>
+                  <a:cubicBezTo>
+                    <a:pt x="252290" y="5089759"/>
+                    <a:pt x="223065" y="5032015"/>
+                    <a:pt x="196108" y="4972712"/>
+                  </a:cubicBezTo>
+                  <a:cubicBezTo>
+                    <a:pt x="169152" y="4913408"/>
+                    <a:pt x="144607" y="4853111"/>
+                    <a:pt x="122474" y="4791821"/>
+                  </a:cubicBezTo>
+                  <a:cubicBezTo>
+                    <a:pt x="100342" y="4730532"/>
+                    <a:pt x="81757" y="4666830"/>
+                    <a:pt x="65724" y="4603129"/>
+                  </a:cubicBezTo>
+                  <a:cubicBezTo>
+                    <a:pt x="58205" y="4571064"/>
+                    <a:pt x="50828" y="4539143"/>
+                    <a:pt x="44727" y="4506937"/>
+                  </a:cubicBezTo>
+                  <a:lnTo>
+                    <a:pt x="35505" y="4458699"/>
+                  </a:lnTo>
+                  <a:lnTo>
+                    <a:pt x="27845" y="4410320"/>
+                  </a:lnTo>
+                  <a:cubicBezTo>
+                    <a:pt x="8635" y="4281881"/>
+                    <a:pt x="-661" y="4152150"/>
+                    <a:pt x="37" y="4022292"/>
+                  </a:cubicBezTo>
+                  <a:cubicBezTo>
+                    <a:pt x="712" y="3768592"/>
+                    <a:pt x="27094" y="3515615"/>
+                    <a:pt x="78777" y="3267236"/>
+                  </a:cubicBezTo>
+                  <a:cubicBezTo>
+                    <a:pt x="130048" y="3017876"/>
+                    <a:pt x="209439" y="2775142"/>
+                    <a:pt x="315424" y="2543673"/>
+                  </a:cubicBezTo>
+                  <a:cubicBezTo>
+                    <a:pt x="528236" y="2081161"/>
+                    <a:pt x="838234" y="1667312"/>
+                    <a:pt x="1202710" y="1314895"/>
+                  </a:cubicBezTo>
+                  <a:cubicBezTo>
+                    <a:pt x="1385514" y="1138814"/>
+                    <a:pt x="1582282" y="977831"/>
+                    <a:pt x="1791065" y="833514"/>
+                  </a:cubicBezTo>
+                  <a:cubicBezTo>
+                    <a:pt x="2420037" y="395614"/>
+                    <a:pt x="3147288" y="119557"/>
+                    <a:pt x="3908404" y="29794"/>
+                  </a:cubicBezTo>
+                  <a:cubicBezTo>
+                    <a:pt x="4098509" y="7429"/>
+                    <a:pt x="4289811" y="-2355"/>
+                    <a:pt x="4481066" y="478"/>
+                  </a:cubicBezTo>
+                  <a:close/>
+                </a:path>
+              </a:pathLst>
+            </a:custGeom>
+            <a:gradFill>
+              <a:gsLst>
+                <a:gs pos="2000">
+                  <a:schemeClr val="bg1">
+                    <a:alpha val="10000"/>
+                  </a:schemeClr>
+                </a:gs>
+                <a:gs pos="16000">
+                  <a:schemeClr val="accent6">
+                    <a:alpha val="10000"/>
+                  </a:schemeClr>
+                </a:gs>
+                <a:gs pos="100000">
+                  <a:schemeClr val="bg1">
+                    <a:alpha val="10000"/>
+                  </a:schemeClr>
+                </a:gs>
+                <a:gs pos="85000">
+                  <a:schemeClr val="accent1">
+                    <a:alpha val="10000"/>
+                  </a:schemeClr>
+                </a:gs>
+              </a:gsLst>
+              <a:lin ang="12000000" scaled="0"/>
+            </a:gradFill>
+            <a:ln>
+              <a:noFill/>
+            </a:ln>
+          </p:spPr>
+          <p:style>
+            <a:lnRef idx="2">
+              <a:schemeClr val="accent1">
+                <a:shade val="50000"/>
+              </a:schemeClr>
+            </a:lnRef>
+            <a:fillRef idx="1">
+              <a:schemeClr val="accent1"/>
+            </a:fillRef>
+            <a:effectRef idx="0">
+              <a:schemeClr val="accent1"/>
+            </a:effectRef>
+            <a:fontRef idx="minor">
+              <a:schemeClr val="lt1"/>
+            </a:fontRef>
+          </p:style>
+          <p:txBody>
+            <a:bodyPr rtlCol="0" anchor="ctr"/>
+            <a:lstStyle/>
+            <a:p>
+              <a:pPr algn="ctr"/>
+              <a:endParaRPr lang="en-US" dirty="0"/>
+            </a:p>
+          </p:txBody>
+        </p:sp>
+        <p:sp>
+          <p:nvSpPr>
+            <p:cNvPr id="16" name="Freeform: Shape 15">
+              <a:extLst>
+                <a:ext uri="{FF2B5EF4-FFF2-40B4-BE49-F238E27FC236}">
+                  <a16:creationId xmlns:a16="http://schemas.microsoft.com/office/drawing/2014/main" id="{C72F6EE6-EDE9-45A5-8F6D-02B9B7CB2C2F}"/>
+                </a:ext>
+                <a:ext uri="{C183D7F6-B498-43B3-948B-1728B52AA6E4}">
+                  <adec:decorative xmlns:adec="http://schemas.microsoft.com/office/drawing/2017/decorative" val="1"/>
+                </a:ext>
+              </a:extLst>
+            </p:cNvPr>
+            <p:cNvSpPr/>
+            <p:nvPr>
+              <p:extLst>
+                <p:ext uri="{386F3935-93C4-4BCD-93E2-E3B085C9AB24}">
+                  <p16:designElem xmlns:p16="http://schemas.microsoft.com/office/powerpoint/2015/main" val="1"/>
+                </p:ext>
+              </p:extLst>
+            </p:nvPr>
+          </p:nvSpPr>
+          <p:spPr>
+            <a:xfrm flipH="1">
+              <a:off x="305" y="1"/>
+              <a:ext cx="6165116" cy="6858001"/>
+            </a:xfrm>
+            <a:custGeom>
+              <a:avLst/>
+              <a:gdLst>
+                <a:gd name="connsiteX0" fmla="*/ 6264586 w 6264586"/>
+                <a:gd name="connsiteY0" fmla="*/ 6646464 h 6858001"/>
+                <a:gd name="connsiteX1" fmla="*/ 6264586 w 6264586"/>
+                <a:gd name="connsiteY1" fmla="*/ 6858001 h 6858001"/>
+                <a:gd name="connsiteX2" fmla="*/ 5997170 w 6264586"/>
+                <a:gd name="connsiteY2" fmla="*/ 6858001 h 6858001"/>
+                <a:gd name="connsiteX3" fmla="*/ 6121512 w 6264586"/>
+                <a:gd name="connsiteY3" fmla="*/ 6761029 h 6858001"/>
+                <a:gd name="connsiteX4" fmla="*/ 2693206 w 6264586"/>
+                <a:gd name="connsiteY4" fmla="*/ 0 h 6858001"/>
+                <a:gd name="connsiteX5" fmla="*/ 5872285 w 6264586"/>
+                <a:gd name="connsiteY5" fmla="*/ 0 h 6858001"/>
+                <a:gd name="connsiteX6" fmla="*/ 6024875 w 6264586"/>
+                <a:gd name="connsiteY6" fmla="*/ 68385 h 6858001"/>
+                <a:gd name="connsiteX7" fmla="*/ 6206432 w 6264586"/>
+                <a:gd name="connsiteY7" fmla="*/ 162336 h 6858001"/>
+                <a:gd name="connsiteX8" fmla="*/ 6264586 w 6264586"/>
+                <a:gd name="connsiteY8" fmla="*/ 196704 h 6858001"/>
+                <a:gd name="connsiteX9" fmla="*/ 6264586 w 6264586"/>
+                <a:gd name="connsiteY9" fmla="*/ 537242 h 6858001"/>
+                <a:gd name="connsiteX10" fmla="*/ 6230189 w 6264586"/>
+                <a:gd name="connsiteY10" fmla="*/ 517260 h 6858001"/>
+                <a:gd name="connsiteX11" fmla="*/ 5540536 w 6264586"/>
+                <a:gd name="connsiteY11" fmla="*/ 249543 h 6858001"/>
+                <a:gd name="connsiteX12" fmla="*/ 5178896 w 6264586"/>
+                <a:gd name="connsiteY12" fmla="*/ 178606 h 6858001"/>
+                <a:gd name="connsiteX13" fmla="*/ 4814279 w 6264586"/>
+                <a:gd name="connsiteY13" fmla="*/ 146683 h 6858001"/>
+                <a:gd name="connsiteX14" fmla="*/ 4655095 w 6264586"/>
+                <a:gd name="connsiteY14" fmla="*/ 143421 h 6858001"/>
+                <a:gd name="connsiteX15" fmla="*/ 4081069 w 6264586"/>
+                <a:gd name="connsiteY15" fmla="*/ 185983 h 6858001"/>
+                <a:gd name="connsiteX16" fmla="*/ 3720566 w 6264586"/>
+                <a:gd name="connsiteY16" fmla="*/ 256921 h 6858001"/>
+                <a:gd name="connsiteX17" fmla="*/ 3365879 w 6264586"/>
+                <a:gd name="connsiteY17" fmla="*/ 357651 h 6858001"/>
+                <a:gd name="connsiteX18" fmla="*/ 3020555 w 6264586"/>
+                <a:gd name="connsiteY18" fmla="*/ 486190 h 6858001"/>
+                <a:gd name="connsiteX19" fmla="*/ 2685163 w 6264586"/>
+                <a:gd name="connsiteY19" fmla="*/ 641542 h 6858001"/>
+                <a:gd name="connsiteX20" fmla="*/ 2047720 w 6264586"/>
+                <a:gd name="connsiteY20" fmla="*/ 1025030 h 6858001"/>
+                <a:gd name="connsiteX21" fmla="*/ 1897333 w 6264586"/>
+                <a:gd name="connsiteY21" fmla="*/ 1134983 h 6858001"/>
+                <a:gd name="connsiteX22" fmla="*/ 1835758 w 6264586"/>
+                <a:gd name="connsiteY22" fmla="*/ 1182227 h 6858001"/>
+                <a:gd name="connsiteX23" fmla="*/ 1823273 w 6264586"/>
+                <a:gd name="connsiteY23" fmla="*/ 1192016 h 6858001"/>
+                <a:gd name="connsiteX24" fmla="*/ 1750918 w 6264586"/>
+                <a:gd name="connsiteY24" fmla="*/ 1249760 h 6858001"/>
+                <a:gd name="connsiteX25" fmla="*/ 1469297 w 6264586"/>
+                <a:gd name="connsiteY25" fmla="*/ 1496906 h 6858001"/>
+                <a:gd name="connsiteX26" fmla="*/ 967769 w 6264586"/>
+                <a:gd name="connsiteY26" fmla="*/ 2056602 h 6858001"/>
+                <a:gd name="connsiteX27" fmla="*/ 754105 w 6264586"/>
+                <a:gd name="connsiteY27" fmla="*/ 2368727 h 6858001"/>
+                <a:gd name="connsiteX28" fmla="*/ 572364 w 6264586"/>
+                <a:gd name="connsiteY28" fmla="*/ 2701140 h 6858001"/>
+                <a:gd name="connsiteX29" fmla="*/ 532497 w 6264586"/>
+                <a:gd name="connsiteY29" fmla="*/ 2786265 h 6858001"/>
+                <a:gd name="connsiteX30" fmla="*/ 512918 w 6264586"/>
+                <a:gd name="connsiteY30" fmla="*/ 2828827 h 6858001"/>
+                <a:gd name="connsiteX31" fmla="*/ 494475 w 6264586"/>
+                <a:gd name="connsiteY31" fmla="*/ 2872240 h 6858001"/>
+                <a:gd name="connsiteX32" fmla="*/ 491637 w 6264586"/>
+                <a:gd name="connsiteY32" fmla="*/ 2878908 h 6858001"/>
+                <a:gd name="connsiteX33" fmla="*/ 459290 w 6264586"/>
+                <a:gd name="connsiteY33" fmla="*/ 2959635 h 6858001"/>
+                <a:gd name="connsiteX34" fmla="*/ 446805 w 6264586"/>
+                <a:gd name="connsiteY34" fmla="*/ 2992408 h 6858001"/>
+                <a:gd name="connsiteX35" fmla="*/ 426090 w 6264586"/>
+                <a:gd name="connsiteY35" fmla="*/ 3049158 h 6858001"/>
+                <a:gd name="connsiteX36" fmla="*/ 426090 w 6264586"/>
+                <a:gd name="connsiteY36" fmla="*/ 3049867 h 6858001"/>
+                <a:gd name="connsiteX37" fmla="*/ 318124 w 6264586"/>
+                <a:gd name="connsiteY37" fmla="*/ 3414202 h 6858001"/>
+                <a:gd name="connsiteX38" fmla="*/ 230729 w 6264586"/>
+                <a:gd name="connsiteY38" fmla="*/ 4169260 h 6858001"/>
+                <a:gd name="connsiteX39" fmla="*/ 268893 w 6264586"/>
+                <a:gd name="connsiteY39" fmla="*/ 4544236 h 6858001"/>
+                <a:gd name="connsiteX40" fmla="*/ 379840 w 6264586"/>
+                <a:gd name="connsiteY40" fmla="*/ 4900056 h 6858001"/>
+                <a:gd name="connsiteX41" fmla="*/ 406512 w 6264586"/>
+                <a:gd name="connsiteY41" fmla="*/ 4960211 h 6858001"/>
+                <a:gd name="connsiteX42" fmla="*/ 417862 w 6264586"/>
+                <a:gd name="connsiteY42" fmla="*/ 4984613 h 6858001"/>
+                <a:gd name="connsiteX43" fmla="*/ 428077 w 6264586"/>
+                <a:gd name="connsiteY43" fmla="*/ 5005043 h 6858001"/>
+                <a:gd name="connsiteX44" fmla="*/ 460140 w 6264586"/>
+                <a:gd name="connsiteY44" fmla="*/ 5067327 h 6858001"/>
+                <a:gd name="connsiteX45" fmla="*/ 555197 w 6264586"/>
+                <a:gd name="connsiteY45" fmla="*/ 5229773 h 6858001"/>
+                <a:gd name="connsiteX46" fmla="*/ 660611 w 6264586"/>
+                <a:gd name="connsiteY46" fmla="*/ 5387396 h 6858001"/>
+                <a:gd name="connsiteX47" fmla="*/ 774110 w 6264586"/>
+                <a:gd name="connsiteY47" fmla="*/ 5542182 h 6858001"/>
+                <a:gd name="connsiteX48" fmla="*/ 917829 w 6264586"/>
+                <a:gd name="connsiteY48" fmla="*/ 5727896 h 6858001"/>
+                <a:gd name="connsiteX49" fmla="*/ 1012885 w 6264586"/>
+                <a:gd name="connsiteY49" fmla="*/ 5849767 h 6858001"/>
+                <a:gd name="connsiteX50" fmla="*/ 1133053 w 6264586"/>
+                <a:gd name="connsiteY50" fmla="*/ 6006822 h 6858001"/>
+                <a:gd name="connsiteX51" fmla="*/ 1194343 w 6264586"/>
+                <a:gd name="connsiteY51" fmla="*/ 6090245 h 6858001"/>
+                <a:gd name="connsiteX52" fmla="*/ 1249390 w 6264586"/>
+                <a:gd name="connsiteY52" fmla="*/ 6165155 h 6858001"/>
+                <a:gd name="connsiteX53" fmla="*/ 1345724 w 6264586"/>
+                <a:gd name="connsiteY53" fmla="*/ 6292132 h 6858001"/>
+                <a:gd name="connsiteX54" fmla="*/ 1364310 w 6264586"/>
+                <a:gd name="connsiteY54" fmla="*/ 6316251 h 6858001"/>
+                <a:gd name="connsiteX55" fmla="*/ 1373673 w 6264586"/>
+                <a:gd name="connsiteY55" fmla="*/ 6327885 h 6858001"/>
+                <a:gd name="connsiteX56" fmla="*/ 1484619 w 6264586"/>
+                <a:gd name="connsiteY56" fmla="*/ 6462240 h 6858001"/>
+                <a:gd name="connsiteX57" fmla="*/ 1739000 w 6264586"/>
+                <a:gd name="connsiteY57" fmla="*/ 6737335 h 6858001"/>
+                <a:gd name="connsiteX58" fmla="*/ 1866801 w 6264586"/>
+                <a:gd name="connsiteY58" fmla="*/ 6858001 h 6858001"/>
+                <a:gd name="connsiteX59" fmla="*/ 1144149 w 6264586"/>
+                <a:gd name="connsiteY59" fmla="*/ 6858001 h 6858001"/>
+                <a:gd name="connsiteX60" fmla="*/ 1058349 w 6264586"/>
+                <a:gd name="connsiteY60" fmla="*/ 6766452 h 6858001"/>
+                <a:gd name="connsiteX61" fmla="*/ 580309 w 6264586"/>
+                <a:gd name="connsiteY61" fmla="*/ 6105000 h 6858001"/>
+                <a:gd name="connsiteX62" fmla="*/ 1 w 6264586"/>
+                <a:gd name="connsiteY62" fmla="*/ 3960094 h 6858001"/>
+                <a:gd name="connsiteX63" fmla="*/ 2599292 w 6264586"/>
+                <a:gd name="connsiteY63" fmla="*/ 37050 h 6858001"/>
+              </a:gdLst>
+              <a:ahLst/>
+              <a:cxnLst>
+                <a:cxn ang="0">
+                  <a:pos x="connsiteX0" y="connsiteY0"/>
+                </a:cxn>
+                <a:cxn ang="0">
+                  <a:pos x="connsiteX1" y="connsiteY1"/>
+                </a:cxn>
+                <a:cxn ang="0">
+                  <a:pos x="connsiteX2" y="connsiteY2"/>
+                </a:cxn>
+                <a:cxn ang="0">
+                  <a:pos x="connsiteX3" y="connsiteY3"/>
+                </a:cxn>
+                <a:cxn ang="0">
+                  <a:pos x="connsiteX4" y="connsiteY4"/>
+                </a:cxn>
+                <a:cxn ang="0">
+                  <a:pos x="connsiteX5" y="connsiteY5"/>
+                </a:cxn>
+                <a:cxn ang="0">
+                  <a:pos x="connsiteX6" y="connsiteY6"/>
+                </a:cxn>
+                <a:cxn ang="0">
+                  <a:pos x="connsiteX7" y="connsiteY7"/>
+                </a:cxn>
+                <a:cxn ang="0">
+                  <a:pos x="connsiteX8" y="connsiteY8"/>
+                </a:cxn>
+                <a:cxn ang="0">
+                  <a:pos x="connsiteX9" y="connsiteY9"/>
+                </a:cxn>
+                <a:cxn ang="0">
+                  <a:pos x="connsiteX10" y="connsiteY10"/>
+                </a:cxn>
+                <a:cxn ang="0">
+                  <a:pos x="connsiteX11" y="connsiteY11"/>
+                </a:cxn>
+                <a:cxn ang="0">
+                  <a:pos x="connsiteX12" y="connsiteY12"/>
+                </a:cxn>
+                <a:cxn ang="0">
+                  <a:pos x="connsiteX13" y="connsiteY13"/>
+                </a:cxn>
+                <a:cxn ang="0">
+                  <a:pos x="connsiteX14" y="connsiteY14"/>
+                </a:cxn>
+                <a:cxn ang="0">
+                  <a:pos x="connsiteX15" y="connsiteY15"/>
+                </a:cxn>
+                <a:cxn ang="0">
+                  <a:pos x="connsiteX16" y="connsiteY16"/>
+                </a:cxn>
+                <a:cxn ang="0">
+                  <a:pos x="connsiteX17" y="connsiteY17"/>
+                </a:cxn>
+                <a:cxn ang="0">
+                  <a:pos x="connsiteX18" y="connsiteY18"/>
+                </a:cxn>
+                <a:cxn ang="0">
+                  <a:pos x="connsiteX19" y="connsiteY19"/>
+                </a:cxn>
+                <a:cxn ang="0">
+                  <a:pos x="connsiteX20" y="connsiteY20"/>
+                </a:cxn>
+                <a:cxn ang="0">
+                  <a:pos x="connsiteX21" y="connsiteY21"/>
+                </a:cxn>
+                <a:cxn ang="0">
+                  <a:pos x="connsiteX22" y="connsiteY22"/>
+                </a:cxn>
+                <a:cxn ang="0">
+                  <a:pos x="connsiteX23" y="connsiteY23"/>
+                </a:cxn>
+                <a:cxn ang="0">
+                  <a:pos x="connsiteX24" y="connsiteY24"/>
+                </a:cxn>
+                <a:cxn ang="0">
+                  <a:pos x="connsiteX25" y="connsiteY25"/>
+                </a:cxn>
+                <a:cxn ang="0">
+                  <a:pos x="connsiteX26" y="connsiteY26"/>
+                </a:cxn>
+                <a:cxn ang="0">
+                  <a:pos x="connsiteX27" y="connsiteY27"/>
+                </a:cxn>
+                <a:cxn ang="0">
+                  <a:pos x="connsiteX28" y="connsiteY28"/>
+                </a:cxn>
+                <a:cxn ang="0">
+                  <a:pos x="connsiteX29" y="connsiteY29"/>
+                </a:cxn>
+                <a:cxn ang="0">
+                  <a:pos x="connsiteX30" y="connsiteY30"/>
+                </a:cxn>
+                <a:cxn ang="0">
+                  <a:pos x="connsiteX31" y="connsiteY31"/>
+                </a:cxn>
+                <a:cxn ang="0">
+                  <a:pos x="connsiteX32" y="connsiteY32"/>
+                </a:cxn>
+                <a:cxn ang="0">
+                  <a:pos x="connsiteX33" y="connsiteY33"/>
+                </a:cxn>
+                <a:cxn ang="0">
+                  <a:pos x="connsiteX34" y="connsiteY34"/>
+                </a:cxn>
+                <a:cxn ang="0">
+                  <a:pos x="connsiteX35" y="connsiteY35"/>
+                </a:cxn>
+                <a:cxn ang="0">
+                  <a:pos x="connsiteX36" y="connsiteY36"/>
+                </a:cxn>
+                <a:cxn ang="0">
+                  <a:pos x="connsiteX37" y="connsiteY37"/>
+                </a:cxn>
+                <a:cxn ang="0">
+                  <a:pos x="connsiteX38" y="connsiteY38"/>
+                </a:cxn>
+                <a:cxn ang="0">
+                  <a:pos x="connsiteX39" y="connsiteY39"/>
+                </a:cxn>
+                <a:cxn ang="0">
+                  <a:pos x="connsiteX40" y="connsiteY40"/>
+                </a:cxn>
+                <a:cxn ang="0">
+                  <a:pos x="connsiteX41" y="connsiteY41"/>
+                </a:cxn>
+                <a:cxn ang="0">
+                  <a:pos x="connsiteX42" y="connsiteY42"/>
+                </a:cxn>
+                <a:cxn ang="0">
+                  <a:pos x="connsiteX43" y="connsiteY43"/>
+                </a:cxn>
+                <a:cxn ang="0">
+                  <a:pos x="connsiteX44" y="connsiteY44"/>
+                </a:cxn>
+                <a:cxn ang="0">
+                  <a:pos x="connsiteX45" y="connsiteY45"/>
+                </a:cxn>
+                <a:cxn ang="0">
+                  <a:pos x="connsiteX46" y="connsiteY46"/>
+                </a:cxn>
+                <a:cxn ang="0">
+                  <a:pos x="connsiteX47" y="connsiteY47"/>
+                </a:cxn>
+                <a:cxn ang="0">
+                  <a:pos x="connsiteX48" y="connsiteY48"/>
+                </a:cxn>
+                <a:cxn ang="0">
+                  <a:pos x="connsiteX49" y="connsiteY49"/>
+                </a:cxn>
+                <a:cxn ang="0">
+                  <a:pos x="connsiteX50" y="connsiteY50"/>
+                </a:cxn>
+                <a:cxn ang="0">
+                  <a:pos x="connsiteX51" y="connsiteY51"/>
+                </a:cxn>
+                <a:cxn ang="0">
+                  <a:pos x="connsiteX52" y="connsiteY52"/>
+                </a:cxn>
+                <a:cxn ang="0">
+                  <a:pos x="connsiteX53" y="connsiteY53"/>
+                </a:cxn>
+                <a:cxn ang="0">
+                  <a:pos x="connsiteX54" y="connsiteY54"/>
+                </a:cxn>
+                <a:cxn ang="0">
+                  <a:pos x="connsiteX55" y="connsiteY55"/>
+                </a:cxn>
+                <a:cxn ang="0">
+                  <a:pos x="connsiteX56" y="connsiteY56"/>
+                </a:cxn>
+                <a:cxn ang="0">
+                  <a:pos x="connsiteX57" y="connsiteY57"/>
+                </a:cxn>
+                <a:cxn ang="0">
+                  <a:pos x="connsiteX58" y="connsiteY58"/>
+                </a:cxn>
+                <a:cxn ang="0">
+                  <a:pos x="connsiteX59" y="connsiteY59"/>
+                </a:cxn>
+                <a:cxn ang="0">
+                  <a:pos x="connsiteX60" y="connsiteY60"/>
+                </a:cxn>
+                <a:cxn ang="0">
+                  <a:pos x="connsiteX61" y="connsiteY61"/>
+                </a:cxn>
+                <a:cxn ang="0">
+                  <a:pos x="connsiteX62" y="connsiteY62"/>
+                </a:cxn>
+                <a:cxn ang="0">
+                  <a:pos x="connsiteX63" y="connsiteY63"/>
+                </a:cxn>
+              </a:cxnLst>
+              <a:rect l="l" t="t" r="r" b="b"/>
+              <a:pathLst>
+                <a:path w="6264586" h="6858001">
+                  <a:moveTo>
+                    <a:pt x="6264586" y="6646464"/>
+                  </a:moveTo>
+                  <a:lnTo>
+                    <a:pt x="6264586" y="6858001"/>
+                  </a:lnTo>
+                  <a:lnTo>
+                    <a:pt x="5997170" y="6858001"/>
+                  </a:lnTo>
+                  <a:lnTo>
+                    <a:pt x="6121512" y="6761029"/>
+                  </a:lnTo>
+                  <a:close/>
+                  <a:moveTo>
+                    <a:pt x="2693206" y="0"/>
+                  </a:moveTo>
+                  <a:lnTo>
+                    <a:pt x="5872285" y="0"/>
+                  </a:lnTo>
+                  <a:lnTo>
+                    <a:pt x="6024875" y="68385"/>
+                  </a:lnTo>
+                  <a:cubicBezTo>
+                    <a:pt x="6086250" y="97989"/>
+                    <a:pt x="6146793" y="129318"/>
+                    <a:pt x="6206432" y="162336"/>
+                  </a:cubicBezTo>
+                  <a:lnTo>
+                    <a:pt x="6264586" y="196704"/>
+                  </a:lnTo>
+                  <a:lnTo>
+                    <a:pt x="6264586" y="537242"/>
+                  </a:lnTo>
+                  <a:lnTo>
+                    <a:pt x="6230189" y="517260"/>
+                  </a:lnTo>
+                  <a:cubicBezTo>
+                    <a:pt x="6012226" y="399931"/>
+                    <a:pt x="5780573" y="310008"/>
+                    <a:pt x="5540536" y="249543"/>
+                  </a:cubicBezTo>
+                  <a:cubicBezTo>
+                    <a:pt x="5421375" y="219324"/>
+                    <a:pt x="5300641" y="195644"/>
+                    <a:pt x="5178896" y="178606"/>
+                  </a:cubicBezTo>
+                  <a:cubicBezTo>
+                    <a:pt x="5057977" y="161840"/>
+                    <a:pt x="4936276" y="151186"/>
+                    <a:pt x="4814279" y="146683"/>
+                  </a:cubicBezTo>
+                  <a:cubicBezTo>
+                    <a:pt x="4761501" y="144556"/>
+                    <a:pt x="4708015" y="143421"/>
+                    <a:pt x="4655095" y="143421"/>
+                  </a:cubicBezTo>
+                  <a:cubicBezTo>
+                    <a:pt x="4462968" y="143573"/>
+                    <a:pt x="4271111" y="157799"/>
+                    <a:pt x="4081069" y="185983"/>
+                  </a:cubicBezTo>
+                  <a:cubicBezTo>
+                    <a:pt x="3956361" y="205703"/>
+                    <a:pt x="3835058" y="229396"/>
+                    <a:pt x="3720566" y="256921"/>
+                  </a:cubicBezTo>
+                  <a:cubicBezTo>
+                    <a:pt x="3596708" y="286714"/>
+                    <a:pt x="3477677" y="320905"/>
+                    <a:pt x="3365879" y="357651"/>
+                  </a:cubicBezTo>
+                  <a:cubicBezTo>
+                    <a:pt x="3249257" y="395958"/>
+                    <a:pt x="3133487" y="438945"/>
+                    <a:pt x="3020555" y="486190"/>
+                  </a:cubicBezTo>
+                  <a:cubicBezTo>
+                    <a:pt x="2907623" y="533434"/>
+                    <a:pt x="2794832" y="585786"/>
+                    <a:pt x="2685163" y="641542"/>
+                  </a:cubicBezTo>
+                  <a:cubicBezTo>
+                    <a:pt x="2463995" y="754348"/>
+                    <a:pt x="2250998" y="882488"/>
+                    <a:pt x="2047720" y="1025030"/>
+                  </a:cubicBezTo>
+                  <a:cubicBezTo>
+                    <a:pt x="2006151" y="1054399"/>
+                    <a:pt x="1951528" y="1093415"/>
+                    <a:pt x="1897333" y="1134983"/>
+                  </a:cubicBezTo>
+                  <a:cubicBezTo>
+                    <a:pt x="1876761" y="1150164"/>
+                    <a:pt x="1855905" y="1166479"/>
+                    <a:pt x="1835758" y="1182227"/>
+                  </a:cubicBezTo>
+                  <a:lnTo>
+                    <a:pt x="1823273" y="1192016"/>
+                  </a:lnTo>
+                  <a:cubicBezTo>
+                    <a:pt x="1797027" y="1211879"/>
+                    <a:pt x="1772057" y="1232309"/>
+                    <a:pt x="1750918" y="1249760"/>
+                  </a:cubicBezTo>
+                  <a:cubicBezTo>
+                    <a:pt x="1645931" y="1335737"/>
+                    <a:pt x="1554422" y="1416605"/>
+                    <a:pt x="1469297" y="1496906"/>
+                  </a:cubicBezTo>
+                  <a:cubicBezTo>
+                    <a:pt x="1286595" y="1668957"/>
+                    <a:pt x="1118818" y="1856190"/>
+                    <a:pt x="967769" y="2056602"/>
+                  </a:cubicBezTo>
+                  <a:cubicBezTo>
+                    <a:pt x="890731" y="2159603"/>
+                    <a:pt x="818800" y="2264590"/>
+                    <a:pt x="754105" y="2368727"/>
+                  </a:cubicBezTo>
+                  <a:cubicBezTo>
+                    <a:pt x="681749" y="2488328"/>
+                    <a:pt x="622304" y="2596720"/>
+                    <a:pt x="572364" y="2701140"/>
+                  </a:cubicBezTo>
+                  <a:cubicBezTo>
+                    <a:pt x="557609" y="2730507"/>
+                    <a:pt x="543989" y="2760443"/>
+                    <a:pt x="532497" y="2786265"/>
+                  </a:cubicBezTo>
+                  <a:lnTo>
+                    <a:pt x="512918" y="2828827"/>
+                  </a:lnTo>
+                  <a:lnTo>
+                    <a:pt x="494475" y="2872240"/>
+                  </a:lnTo>
+                  <a:lnTo>
+                    <a:pt x="491637" y="2878908"/>
+                  </a:lnTo>
+                  <a:cubicBezTo>
+                    <a:pt x="480146" y="2906575"/>
+                    <a:pt x="469220" y="2932821"/>
+                    <a:pt x="459290" y="2959635"/>
+                  </a:cubicBezTo>
+                  <a:cubicBezTo>
+                    <a:pt x="455176" y="2970559"/>
+                    <a:pt x="451060" y="2981484"/>
+                    <a:pt x="446805" y="2992408"/>
+                  </a:cubicBezTo>
+                  <a:cubicBezTo>
+                    <a:pt x="439427" y="3012412"/>
+                    <a:pt x="432333" y="3030572"/>
+                    <a:pt x="426090" y="3049158"/>
+                  </a:cubicBezTo>
+                  <a:lnTo>
+                    <a:pt x="426090" y="3049867"/>
+                  </a:lnTo>
+                  <a:cubicBezTo>
+                    <a:pt x="383010" y="3169099"/>
+                    <a:pt x="346959" y="3290756"/>
+                    <a:pt x="318124" y="3414202"/>
+                  </a:cubicBezTo>
+                  <a:cubicBezTo>
+                    <a:pt x="260107" y="3661703"/>
+                    <a:pt x="230780" y="3915049"/>
+                    <a:pt x="230729" y="4169260"/>
+                  </a:cubicBezTo>
+                  <a:cubicBezTo>
+                    <a:pt x="231621" y="4295173"/>
+                    <a:pt x="244398" y="4420719"/>
+                    <a:pt x="268893" y="4544236"/>
+                  </a:cubicBezTo>
+                  <a:cubicBezTo>
+                    <a:pt x="293708" y="4666304"/>
+                    <a:pt x="330882" y="4785521"/>
+                    <a:pt x="379840" y="4900056"/>
+                  </a:cubicBezTo>
+                  <a:cubicBezTo>
+                    <a:pt x="387926" y="4919919"/>
+                    <a:pt x="397006" y="4939498"/>
+                    <a:pt x="406512" y="4960211"/>
+                  </a:cubicBezTo>
+                  <a:cubicBezTo>
+                    <a:pt x="410343" y="4968299"/>
+                    <a:pt x="414173" y="4976385"/>
+                    <a:pt x="417862" y="4984613"/>
+                  </a:cubicBezTo>
+                  <a:lnTo>
+                    <a:pt x="428077" y="5005043"/>
+                  </a:lnTo>
+                  <a:cubicBezTo>
+                    <a:pt x="438860" y="5026751"/>
+                    <a:pt x="449075" y="5047181"/>
+                    <a:pt x="460140" y="5067327"/>
+                  </a:cubicBezTo>
+                  <a:cubicBezTo>
+                    <a:pt x="485536" y="5116273"/>
+                    <a:pt x="514763" y="5165789"/>
+                    <a:pt x="555197" y="5229773"/>
+                  </a:cubicBezTo>
+                  <a:cubicBezTo>
+                    <a:pt x="586836" y="5280282"/>
+                    <a:pt x="620318" y="5329511"/>
+                    <a:pt x="660611" y="5387396"/>
+                  </a:cubicBezTo>
+                  <a:cubicBezTo>
+                    <a:pt x="698065" y="5440741"/>
+                    <a:pt x="737223" y="5493094"/>
+                    <a:pt x="774110" y="5542182"/>
+                  </a:cubicBezTo>
+                  <a:cubicBezTo>
+                    <a:pt x="821070" y="5604324"/>
+                    <a:pt x="870301" y="5667173"/>
+                    <a:pt x="917829" y="5727896"/>
+                  </a:cubicBezTo>
+                  <a:cubicBezTo>
+                    <a:pt x="949042" y="5767762"/>
+                    <a:pt x="979828" y="5807063"/>
+                    <a:pt x="1012885" y="5849767"/>
+                  </a:cubicBezTo>
+                  <a:cubicBezTo>
+                    <a:pt x="1045942" y="5892471"/>
+                    <a:pt x="1089497" y="5948796"/>
+                    <a:pt x="1133053" y="6006822"/>
+                  </a:cubicBezTo>
+                  <a:cubicBezTo>
+                    <a:pt x="1153624" y="6034345"/>
+                    <a:pt x="1175332" y="6063998"/>
+                    <a:pt x="1194343" y="6090245"/>
+                  </a:cubicBezTo>
+                  <a:cubicBezTo>
+                    <a:pt x="1213355" y="6116491"/>
+                    <a:pt x="1231372" y="6141178"/>
+                    <a:pt x="1249390" y="6165155"/>
+                  </a:cubicBezTo>
+                  <a:cubicBezTo>
+                    <a:pt x="1280461" y="6208000"/>
+                    <a:pt x="1313659" y="6250847"/>
+                    <a:pt x="1345724" y="6292132"/>
+                  </a:cubicBezTo>
+                  <a:lnTo>
+                    <a:pt x="1364310" y="6316251"/>
+                  </a:lnTo>
+                  <a:lnTo>
+                    <a:pt x="1373673" y="6327885"/>
+                  </a:lnTo>
+                  <a:cubicBezTo>
+                    <a:pt x="1409566" y="6372433"/>
+                    <a:pt x="1446738" y="6418542"/>
+                    <a:pt x="1484619" y="6462240"/>
+                  </a:cubicBezTo>
+                  <a:cubicBezTo>
+                    <a:pt x="1567899" y="6559850"/>
+                    <a:pt x="1653876" y="6652211"/>
+                    <a:pt x="1739000" y="6737335"/>
+                  </a:cubicBezTo>
+                  <a:lnTo>
+                    <a:pt x="1866801" y="6858001"/>
+                  </a:lnTo>
+                  <a:lnTo>
+                    <a:pt x="1144149" y="6858001"/>
+                  </a:lnTo>
+                  <a:lnTo>
+                    <a:pt x="1058349" y="6766452"/>
+                  </a:lnTo>
+                  <a:cubicBezTo>
+                    <a:pt x="878978" y="6562465"/>
+                    <a:pt x="718756" y="6341104"/>
+                    <a:pt x="580309" y="6105000"/>
+                  </a:cubicBezTo>
+                  <a:cubicBezTo>
+                    <a:pt x="200401" y="5454007"/>
+                    <a:pt x="146" y="4713831"/>
+                    <a:pt x="1" y="3960094"/>
+                  </a:cubicBezTo>
+                  <a:cubicBezTo>
+                    <a:pt x="-335" y="2196754"/>
+                    <a:pt x="1071479" y="683605"/>
+                    <a:pt x="2599292" y="37050"/>
+                  </a:cubicBezTo>
+                  <a:close/>
+                </a:path>
+              </a:pathLst>
+            </a:custGeom>
+            <a:gradFill>
+              <a:gsLst>
+                <a:gs pos="2000">
+                  <a:schemeClr val="bg1">
+                    <a:alpha val="10000"/>
+                  </a:schemeClr>
+                </a:gs>
+                <a:gs pos="16000">
+                  <a:schemeClr val="accent6">
+                    <a:alpha val="10000"/>
+                  </a:schemeClr>
+                </a:gs>
+                <a:gs pos="100000">
+                  <a:schemeClr val="bg1">
+                    <a:alpha val="10000"/>
+                  </a:schemeClr>
+                </a:gs>
+                <a:gs pos="85000">
+                  <a:schemeClr val="accent1">
+                    <a:alpha val="10000"/>
+                  </a:schemeClr>
+                </a:gs>
+              </a:gsLst>
+              <a:lin ang="12000000" scaled="0"/>
+            </a:gradFill>
+            <a:ln>
+              <a:noFill/>
+            </a:ln>
+          </p:spPr>
+          <p:style>
+            <a:lnRef idx="2">
+              <a:schemeClr val="accent1">
+                <a:shade val="50000"/>
+              </a:schemeClr>
+            </a:lnRef>
+            <a:fillRef idx="1">
+              <a:schemeClr val="accent1"/>
+            </a:fillRef>
+            <a:effectRef idx="0">
+              <a:schemeClr val="accent1"/>
+            </a:effectRef>
+            <a:fontRef idx="minor">
+              <a:schemeClr val="lt1"/>
+            </a:fontRef>
+          </p:style>
+          <p:txBody>
+            <a:bodyPr rtlCol="0" anchor="ctr"/>
+            <a:lstStyle/>
+            <a:p>
+              <a:pPr algn="ctr"/>
+              <a:endParaRPr lang="en-US" dirty="0"/>
+            </a:p>
+          </p:txBody>
+        </p:sp>
+        <p:sp>
+          <p:nvSpPr>
+            <p:cNvPr id="17" name="Freeform: Shape 16">
+              <a:extLst>
+                <a:ext uri="{FF2B5EF4-FFF2-40B4-BE49-F238E27FC236}">
+                  <a16:creationId xmlns:a16="http://schemas.microsoft.com/office/drawing/2014/main" id="{C093DC50-3BD7-46B1-A300-CD207E152FF4}"/>
+                </a:ext>
+                <a:ext uri="{C183D7F6-B498-43B3-948B-1728B52AA6E4}">
+                  <adec:decorative xmlns:adec="http://schemas.microsoft.com/office/drawing/2017/decorative" val="1"/>
+                </a:ext>
+              </a:extLst>
+            </p:cNvPr>
+            <p:cNvSpPr/>
+            <p:nvPr>
+              <p:extLst>
+                <p:ext uri="{386F3935-93C4-4BCD-93E2-E3B085C9AB24}">
+                  <p16:designElem xmlns:p16="http://schemas.microsoft.com/office/powerpoint/2015/main" val="1"/>
+                </p:ext>
+              </p:extLst>
+            </p:nvPr>
+          </p:nvSpPr>
+          <p:spPr>
+            <a:xfrm flipH="1">
+              <a:off x="305" y="-5977"/>
+              <a:ext cx="6238675" cy="6858001"/>
+            </a:xfrm>
+            <a:custGeom>
+              <a:avLst/>
+              <a:gdLst>
+                <a:gd name="connsiteX0" fmla="*/ 6264586 w 6264586"/>
+                <a:gd name="connsiteY0" fmla="*/ 6646464 h 6858001"/>
+                <a:gd name="connsiteX1" fmla="*/ 6264586 w 6264586"/>
+                <a:gd name="connsiteY1" fmla="*/ 6858001 h 6858001"/>
+                <a:gd name="connsiteX2" fmla="*/ 5997170 w 6264586"/>
+                <a:gd name="connsiteY2" fmla="*/ 6858001 h 6858001"/>
+                <a:gd name="connsiteX3" fmla="*/ 6121512 w 6264586"/>
+                <a:gd name="connsiteY3" fmla="*/ 6761029 h 6858001"/>
+                <a:gd name="connsiteX4" fmla="*/ 2693206 w 6264586"/>
+                <a:gd name="connsiteY4" fmla="*/ 0 h 6858001"/>
+                <a:gd name="connsiteX5" fmla="*/ 5872285 w 6264586"/>
+                <a:gd name="connsiteY5" fmla="*/ 0 h 6858001"/>
+                <a:gd name="connsiteX6" fmla="*/ 6024875 w 6264586"/>
+                <a:gd name="connsiteY6" fmla="*/ 68385 h 6858001"/>
+                <a:gd name="connsiteX7" fmla="*/ 6206432 w 6264586"/>
+                <a:gd name="connsiteY7" fmla="*/ 162336 h 6858001"/>
+                <a:gd name="connsiteX8" fmla="*/ 6264586 w 6264586"/>
+                <a:gd name="connsiteY8" fmla="*/ 196704 h 6858001"/>
+                <a:gd name="connsiteX9" fmla="*/ 6264586 w 6264586"/>
+                <a:gd name="connsiteY9" fmla="*/ 537242 h 6858001"/>
+                <a:gd name="connsiteX10" fmla="*/ 6230189 w 6264586"/>
+                <a:gd name="connsiteY10" fmla="*/ 517260 h 6858001"/>
+                <a:gd name="connsiteX11" fmla="*/ 5540536 w 6264586"/>
+                <a:gd name="connsiteY11" fmla="*/ 249543 h 6858001"/>
+                <a:gd name="connsiteX12" fmla="*/ 5178896 w 6264586"/>
+                <a:gd name="connsiteY12" fmla="*/ 178606 h 6858001"/>
+                <a:gd name="connsiteX13" fmla="*/ 4814279 w 6264586"/>
+                <a:gd name="connsiteY13" fmla="*/ 146683 h 6858001"/>
+                <a:gd name="connsiteX14" fmla="*/ 4655095 w 6264586"/>
+                <a:gd name="connsiteY14" fmla="*/ 143421 h 6858001"/>
+                <a:gd name="connsiteX15" fmla="*/ 4081069 w 6264586"/>
+                <a:gd name="connsiteY15" fmla="*/ 185983 h 6858001"/>
+                <a:gd name="connsiteX16" fmla="*/ 3720566 w 6264586"/>
+                <a:gd name="connsiteY16" fmla="*/ 256921 h 6858001"/>
+                <a:gd name="connsiteX17" fmla="*/ 3365879 w 6264586"/>
+                <a:gd name="connsiteY17" fmla="*/ 357651 h 6858001"/>
+                <a:gd name="connsiteX18" fmla="*/ 3020555 w 6264586"/>
+                <a:gd name="connsiteY18" fmla="*/ 486190 h 6858001"/>
+                <a:gd name="connsiteX19" fmla="*/ 2685163 w 6264586"/>
+                <a:gd name="connsiteY19" fmla="*/ 641542 h 6858001"/>
+                <a:gd name="connsiteX20" fmla="*/ 2047720 w 6264586"/>
+                <a:gd name="connsiteY20" fmla="*/ 1025030 h 6858001"/>
+                <a:gd name="connsiteX21" fmla="*/ 1897333 w 6264586"/>
+                <a:gd name="connsiteY21" fmla="*/ 1134983 h 6858001"/>
+                <a:gd name="connsiteX22" fmla="*/ 1835758 w 6264586"/>
+                <a:gd name="connsiteY22" fmla="*/ 1182227 h 6858001"/>
+                <a:gd name="connsiteX23" fmla="*/ 1823273 w 6264586"/>
+                <a:gd name="connsiteY23" fmla="*/ 1192016 h 6858001"/>
+                <a:gd name="connsiteX24" fmla="*/ 1750918 w 6264586"/>
+                <a:gd name="connsiteY24" fmla="*/ 1249760 h 6858001"/>
+                <a:gd name="connsiteX25" fmla="*/ 1469297 w 6264586"/>
+                <a:gd name="connsiteY25" fmla="*/ 1496906 h 6858001"/>
+                <a:gd name="connsiteX26" fmla="*/ 967769 w 6264586"/>
+                <a:gd name="connsiteY26" fmla="*/ 2056602 h 6858001"/>
+                <a:gd name="connsiteX27" fmla="*/ 754105 w 6264586"/>
+                <a:gd name="connsiteY27" fmla="*/ 2368727 h 6858001"/>
+                <a:gd name="connsiteX28" fmla="*/ 572364 w 6264586"/>
+                <a:gd name="connsiteY28" fmla="*/ 2701140 h 6858001"/>
+                <a:gd name="connsiteX29" fmla="*/ 532497 w 6264586"/>
+                <a:gd name="connsiteY29" fmla="*/ 2786265 h 6858001"/>
+                <a:gd name="connsiteX30" fmla="*/ 512918 w 6264586"/>
+                <a:gd name="connsiteY30" fmla="*/ 2828827 h 6858001"/>
+                <a:gd name="connsiteX31" fmla="*/ 494475 w 6264586"/>
+                <a:gd name="connsiteY31" fmla="*/ 2872240 h 6858001"/>
+                <a:gd name="connsiteX32" fmla="*/ 491637 w 6264586"/>
+                <a:gd name="connsiteY32" fmla="*/ 2878908 h 6858001"/>
+                <a:gd name="connsiteX33" fmla="*/ 459290 w 6264586"/>
+                <a:gd name="connsiteY33" fmla="*/ 2959635 h 6858001"/>
+                <a:gd name="connsiteX34" fmla="*/ 446805 w 6264586"/>
+                <a:gd name="connsiteY34" fmla="*/ 2992408 h 6858001"/>
+                <a:gd name="connsiteX35" fmla="*/ 426090 w 6264586"/>
+                <a:gd name="connsiteY35" fmla="*/ 3049158 h 6858001"/>
+                <a:gd name="connsiteX36" fmla="*/ 426090 w 6264586"/>
+                <a:gd name="connsiteY36" fmla="*/ 3049867 h 6858001"/>
+                <a:gd name="connsiteX37" fmla="*/ 318124 w 6264586"/>
+                <a:gd name="connsiteY37" fmla="*/ 3414202 h 6858001"/>
+                <a:gd name="connsiteX38" fmla="*/ 230729 w 6264586"/>
+                <a:gd name="connsiteY38" fmla="*/ 4169260 h 6858001"/>
+                <a:gd name="connsiteX39" fmla="*/ 268893 w 6264586"/>
+                <a:gd name="connsiteY39" fmla="*/ 4544236 h 6858001"/>
+                <a:gd name="connsiteX40" fmla="*/ 379840 w 6264586"/>
+                <a:gd name="connsiteY40" fmla="*/ 4900056 h 6858001"/>
+                <a:gd name="connsiteX41" fmla="*/ 406512 w 6264586"/>
+                <a:gd name="connsiteY41" fmla="*/ 4960211 h 6858001"/>
+                <a:gd name="connsiteX42" fmla="*/ 417862 w 6264586"/>
+                <a:gd name="connsiteY42" fmla="*/ 4984613 h 6858001"/>
+                <a:gd name="connsiteX43" fmla="*/ 428077 w 6264586"/>
+                <a:gd name="connsiteY43" fmla="*/ 5005043 h 6858001"/>
+                <a:gd name="connsiteX44" fmla="*/ 460140 w 6264586"/>
+                <a:gd name="connsiteY44" fmla="*/ 5067327 h 6858001"/>
+                <a:gd name="connsiteX45" fmla="*/ 555197 w 6264586"/>
+                <a:gd name="connsiteY45" fmla="*/ 5229773 h 6858001"/>
+                <a:gd name="connsiteX46" fmla="*/ 660611 w 6264586"/>
+                <a:gd name="connsiteY46" fmla="*/ 5387396 h 6858001"/>
+                <a:gd name="connsiteX47" fmla="*/ 774110 w 6264586"/>
+                <a:gd name="connsiteY47" fmla="*/ 5542182 h 6858001"/>
+                <a:gd name="connsiteX48" fmla="*/ 917829 w 6264586"/>
+                <a:gd name="connsiteY48" fmla="*/ 5727896 h 6858001"/>
+                <a:gd name="connsiteX49" fmla="*/ 1012885 w 6264586"/>
+                <a:gd name="connsiteY49" fmla="*/ 5849767 h 6858001"/>
+                <a:gd name="connsiteX50" fmla="*/ 1133053 w 6264586"/>
+                <a:gd name="connsiteY50" fmla="*/ 6006822 h 6858001"/>
+                <a:gd name="connsiteX51" fmla="*/ 1194343 w 6264586"/>
+                <a:gd name="connsiteY51" fmla="*/ 6090245 h 6858001"/>
+                <a:gd name="connsiteX52" fmla="*/ 1249390 w 6264586"/>
+                <a:gd name="connsiteY52" fmla="*/ 6165155 h 6858001"/>
+                <a:gd name="connsiteX53" fmla="*/ 1345724 w 6264586"/>
+                <a:gd name="connsiteY53" fmla="*/ 6292132 h 6858001"/>
+                <a:gd name="connsiteX54" fmla="*/ 1364310 w 6264586"/>
+                <a:gd name="connsiteY54" fmla="*/ 6316251 h 6858001"/>
+                <a:gd name="connsiteX55" fmla="*/ 1373673 w 6264586"/>
+                <a:gd name="connsiteY55" fmla="*/ 6327885 h 6858001"/>
+                <a:gd name="connsiteX56" fmla="*/ 1484619 w 6264586"/>
+                <a:gd name="connsiteY56" fmla="*/ 6462240 h 6858001"/>
+                <a:gd name="connsiteX57" fmla="*/ 1739000 w 6264586"/>
+                <a:gd name="connsiteY57" fmla="*/ 6737335 h 6858001"/>
+                <a:gd name="connsiteX58" fmla="*/ 1866801 w 6264586"/>
+                <a:gd name="connsiteY58" fmla="*/ 6858001 h 6858001"/>
+                <a:gd name="connsiteX59" fmla="*/ 1144149 w 6264586"/>
+                <a:gd name="connsiteY59" fmla="*/ 6858001 h 6858001"/>
+                <a:gd name="connsiteX60" fmla="*/ 1058349 w 6264586"/>
+                <a:gd name="connsiteY60" fmla="*/ 6766452 h 6858001"/>
+                <a:gd name="connsiteX61" fmla="*/ 580309 w 6264586"/>
+                <a:gd name="connsiteY61" fmla="*/ 6105000 h 6858001"/>
+                <a:gd name="connsiteX62" fmla="*/ 1 w 6264586"/>
+                <a:gd name="connsiteY62" fmla="*/ 3960094 h 6858001"/>
+                <a:gd name="connsiteX63" fmla="*/ 2599292 w 6264586"/>
+                <a:gd name="connsiteY63" fmla="*/ 37050 h 6858001"/>
+              </a:gdLst>
+              <a:ahLst/>
+              <a:cxnLst>
+                <a:cxn ang="0">
+                  <a:pos x="connsiteX0" y="connsiteY0"/>
+                </a:cxn>
+                <a:cxn ang="0">
+                  <a:pos x="connsiteX1" y="connsiteY1"/>
+                </a:cxn>
+                <a:cxn ang="0">
+                  <a:pos x="connsiteX2" y="connsiteY2"/>
+                </a:cxn>
+                <a:cxn ang="0">
+                  <a:pos x="connsiteX3" y="connsiteY3"/>
+                </a:cxn>
+                <a:cxn ang="0">
+                  <a:pos x="connsiteX4" y="connsiteY4"/>
+                </a:cxn>
+                <a:cxn ang="0">
+                  <a:pos x="connsiteX5" y="connsiteY5"/>
+                </a:cxn>
+                <a:cxn ang="0">
+                  <a:pos x="connsiteX6" y="connsiteY6"/>
+                </a:cxn>
+                <a:cxn ang="0">
+                  <a:pos x="connsiteX7" y="connsiteY7"/>
+                </a:cxn>
+                <a:cxn ang="0">
+                  <a:pos x="connsiteX8" y="connsiteY8"/>
+                </a:cxn>
+                <a:cxn ang="0">
+                  <a:pos x="connsiteX9" y="connsiteY9"/>
+                </a:cxn>
+                <a:cxn ang="0">
+                  <a:pos x="connsiteX10" y="connsiteY10"/>
+                </a:cxn>
+                <a:cxn ang="0">
+                  <a:pos x="connsiteX11" y="connsiteY11"/>
+                </a:cxn>
+                <a:cxn ang="0">
+                  <a:pos x="connsiteX12" y="connsiteY12"/>
+                </a:cxn>
+                <a:cxn ang="0">
+                  <a:pos x="connsiteX13" y="connsiteY13"/>
+                </a:cxn>
+                <a:cxn ang="0">
+                  <a:pos x="connsiteX14" y="connsiteY14"/>
+                </a:cxn>
+                <a:cxn ang="0">
+                  <a:pos x="connsiteX15" y="connsiteY15"/>
+                </a:cxn>
+                <a:cxn ang="0">
+                  <a:pos x="connsiteX16" y="connsiteY16"/>
+                </a:cxn>
+                <a:cxn ang="0">
+                  <a:pos x="connsiteX17" y="connsiteY17"/>
+                </a:cxn>
+                <a:cxn ang="0">
+                  <a:pos x="connsiteX18" y="connsiteY18"/>
+                </a:cxn>
+                <a:cxn ang="0">
+                  <a:pos x="connsiteX19" y="connsiteY19"/>
+                </a:cxn>
+                <a:cxn ang="0">
+                  <a:pos x="connsiteX20" y="connsiteY20"/>
+                </a:cxn>
+                <a:cxn ang="0">
+                  <a:pos x="connsiteX21" y="connsiteY21"/>
+                </a:cxn>
+                <a:cxn ang="0">
+                  <a:pos x="connsiteX22" y="connsiteY22"/>
+                </a:cxn>
+                <a:cxn ang="0">
+                  <a:pos x="connsiteX23" y="connsiteY23"/>
+                </a:cxn>
+                <a:cxn ang="0">
+                  <a:pos x="connsiteX24" y="connsiteY24"/>
+                </a:cxn>
+                <a:cxn ang="0">
+                  <a:pos x="connsiteX25" y="connsiteY25"/>
+                </a:cxn>
+                <a:cxn ang="0">
+                  <a:pos x="connsiteX26" y="connsiteY26"/>
+                </a:cxn>
+                <a:cxn ang="0">
+                  <a:pos x="connsiteX27" y="connsiteY27"/>
+                </a:cxn>
+                <a:cxn ang="0">
+                  <a:pos x="connsiteX28" y="connsiteY28"/>
+                </a:cxn>
+                <a:cxn ang="0">
+                  <a:pos x="connsiteX29" y="connsiteY29"/>
+                </a:cxn>
+                <a:cxn ang="0">
+                  <a:pos x="connsiteX30" y="connsiteY30"/>
+                </a:cxn>
+                <a:cxn ang="0">
+                  <a:pos x="connsiteX31" y="connsiteY31"/>
+                </a:cxn>
+                <a:cxn ang="0">
+                  <a:pos x="connsiteX32" y="connsiteY32"/>
+                </a:cxn>
+                <a:cxn ang="0">
+                  <a:pos x="connsiteX33" y="connsiteY33"/>
+                </a:cxn>
+                <a:cxn ang="0">
+                  <a:pos x="connsiteX34" y="connsiteY34"/>
+                </a:cxn>
+                <a:cxn ang="0">
+                  <a:pos x="connsiteX35" y="connsiteY35"/>
+                </a:cxn>
+                <a:cxn ang="0">
+                  <a:pos x="connsiteX36" y="connsiteY36"/>
+                </a:cxn>
+                <a:cxn ang="0">
+                  <a:pos x="connsiteX37" y="connsiteY37"/>
+                </a:cxn>
+                <a:cxn ang="0">
+                  <a:pos x="connsiteX38" y="connsiteY38"/>
+                </a:cxn>
+                <a:cxn ang="0">
+                  <a:pos x="connsiteX39" y="connsiteY39"/>
+                </a:cxn>
+                <a:cxn ang="0">
+                  <a:pos x="connsiteX40" y="connsiteY40"/>
+                </a:cxn>
+                <a:cxn ang="0">
+                  <a:pos x="connsiteX41" y="connsiteY41"/>
+                </a:cxn>
+                <a:cxn ang="0">
+                  <a:pos x="connsiteX42" y="connsiteY42"/>
+                </a:cxn>
+                <a:cxn ang="0">
+                  <a:pos x="connsiteX43" y="connsiteY43"/>
+                </a:cxn>
+                <a:cxn ang="0">
+                  <a:pos x="connsiteX44" y="connsiteY44"/>
+                </a:cxn>
+                <a:cxn ang="0">
+                  <a:pos x="connsiteX45" y="connsiteY45"/>
+                </a:cxn>
+                <a:cxn ang="0">
+                  <a:pos x="connsiteX46" y="connsiteY46"/>
+                </a:cxn>
+                <a:cxn ang="0">
+                  <a:pos x="connsiteX47" y="connsiteY47"/>
+                </a:cxn>
+                <a:cxn ang="0">
+                  <a:pos x="connsiteX48" y="connsiteY48"/>
+                </a:cxn>
+                <a:cxn ang="0">
+                  <a:pos x="connsiteX49" y="connsiteY49"/>
+                </a:cxn>
+                <a:cxn ang="0">
+                  <a:pos x="connsiteX50" y="connsiteY50"/>
+                </a:cxn>
+                <a:cxn ang="0">
+                  <a:pos x="connsiteX51" y="connsiteY51"/>
+                </a:cxn>
+                <a:cxn ang="0">
+                  <a:pos x="connsiteX52" y="connsiteY52"/>
+                </a:cxn>
+                <a:cxn ang="0">
+                  <a:pos x="connsiteX53" y="connsiteY53"/>
+                </a:cxn>
+                <a:cxn ang="0">
+                  <a:pos x="connsiteX54" y="connsiteY54"/>
+                </a:cxn>
+                <a:cxn ang="0">
+                  <a:pos x="connsiteX55" y="connsiteY55"/>
+                </a:cxn>
+                <a:cxn ang="0">
+                  <a:pos x="connsiteX56" y="connsiteY56"/>
+                </a:cxn>
+                <a:cxn ang="0">
+                  <a:pos x="connsiteX57" y="connsiteY57"/>
+                </a:cxn>
+                <a:cxn ang="0">
+                  <a:pos x="connsiteX58" y="connsiteY58"/>
+                </a:cxn>
+                <a:cxn ang="0">
+                  <a:pos x="connsiteX59" y="connsiteY59"/>
+                </a:cxn>
+                <a:cxn ang="0">
+                  <a:pos x="connsiteX60" y="connsiteY60"/>
+                </a:cxn>
+                <a:cxn ang="0">
+                  <a:pos x="connsiteX61" y="connsiteY61"/>
+                </a:cxn>
+                <a:cxn ang="0">
+                  <a:pos x="connsiteX62" y="connsiteY62"/>
+                </a:cxn>
+                <a:cxn ang="0">
+                  <a:pos x="connsiteX63" y="connsiteY63"/>
+                </a:cxn>
+              </a:cxnLst>
+              <a:rect l="l" t="t" r="r" b="b"/>
+              <a:pathLst>
+                <a:path w="6264586" h="6858001">
+                  <a:moveTo>
+                    <a:pt x="6264586" y="6646464"/>
+                  </a:moveTo>
+                  <a:lnTo>
+                    <a:pt x="6264586" y="6858001"/>
+                  </a:lnTo>
+                  <a:lnTo>
+                    <a:pt x="5997170" y="6858001"/>
+                  </a:lnTo>
+                  <a:lnTo>
+                    <a:pt x="6121512" y="6761029"/>
+                  </a:lnTo>
+                  <a:close/>
+                  <a:moveTo>
+                    <a:pt x="2693206" y="0"/>
+                  </a:moveTo>
+                  <a:lnTo>
+                    <a:pt x="5872285" y="0"/>
+                  </a:lnTo>
+                  <a:lnTo>
+                    <a:pt x="6024875" y="68385"/>
+                  </a:lnTo>
+                  <a:cubicBezTo>
+                    <a:pt x="6086250" y="97989"/>
+                    <a:pt x="6146793" y="129318"/>
+                    <a:pt x="6206432" y="162336"/>
+                  </a:cubicBezTo>
+                  <a:lnTo>
+                    <a:pt x="6264586" y="196704"/>
+                  </a:lnTo>
+                  <a:lnTo>
+                    <a:pt x="6264586" y="537242"/>
+                  </a:lnTo>
+                  <a:lnTo>
+                    <a:pt x="6230189" y="517260"/>
+                  </a:lnTo>
+                  <a:cubicBezTo>
+                    <a:pt x="6012226" y="399931"/>
+                    <a:pt x="5780573" y="310008"/>
+                    <a:pt x="5540536" y="249543"/>
+                  </a:cubicBezTo>
+                  <a:cubicBezTo>
+                    <a:pt x="5421375" y="219324"/>
+                    <a:pt x="5300641" y="195644"/>
+                    <a:pt x="5178896" y="178606"/>
+                  </a:cubicBezTo>
+                  <a:cubicBezTo>
+                    <a:pt x="5057977" y="161840"/>
+                    <a:pt x="4936276" y="151186"/>
+                    <a:pt x="4814279" y="146683"/>
+                  </a:cubicBezTo>
+                  <a:cubicBezTo>
+                    <a:pt x="4761501" y="144556"/>
+                    <a:pt x="4708015" y="143421"/>
+                    <a:pt x="4655095" y="143421"/>
+                  </a:cubicBezTo>
+                  <a:cubicBezTo>
+                    <a:pt x="4462968" y="143573"/>
+                    <a:pt x="4271111" y="157799"/>
+                    <a:pt x="4081069" y="185983"/>
+                  </a:cubicBezTo>
+                  <a:cubicBezTo>
+                    <a:pt x="3956361" y="205703"/>
+                    <a:pt x="3835058" y="229396"/>
+                    <a:pt x="3720566" y="256921"/>
+                  </a:cubicBezTo>
+                  <a:cubicBezTo>
+                    <a:pt x="3596708" y="286714"/>
+                    <a:pt x="3477677" y="320905"/>
+                    <a:pt x="3365879" y="357651"/>
+                  </a:cubicBezTo>
+                  <a:cubicBezTo>
+                    <a:pt x="3249257" y="395958"/>
+                    <a:pt x="3133487" y="438945"/>
+                    <a:pt x="3020555" y="486190"/>
+                  </a:cubicBezTo>
+                  <a:cubicBezTo>
+                    <a:pt x="2907623" y="533434"/>
+                    <a:pt x="2794832" y="585786"/>
+                    <a:pt x="2685163" y="641542"/>
+                  </a:cubicBezTo>
+                  <a:cubicBezTo>
+                    <a:pt x="2463995" y="754348"/>
+                    <a:pt x="2250998" y="882488"/>
+                    <a:pt x="2047720" y="1025030"/>
+                  </a:cubicBezTo>
+                  <a:cubicBezTo>
+                    <a:pt x="2006151" y="1054399"/>
+                    <a:pt x="1951528" y="1093415"/>
+                    <a:pt x="1897333" y="1134983"/>
+                  </a:cubicBezTo>
+                  <a:cubicBezTo>
+                    <a:pt x="1876761" y="1150164"/>
+                    <a:pt x="1855905" y="1166479"/>
+                    <a:pt x="1835758" y="1182227"/>
+                  </a:cubicBezTo>
+                  <a:lnTo>
+                    <a:pt x="1823273" y="1192016"/>
+                  </a:lnTo>
+                  <a:cubicBezTo>
+                    <a:pt x="1797027" y="1211879"/>
+                    <a:pt x="1772057" y="1232309"/>
+                    <a:pt x="1750918" y="1249760"/>
+                  </a:cubicBezTo>
+                  <a:cubicBezTo>
+                    <a:pt x="1645931" y="1335737"/>
+                    <a:pt x="1554422" y="1416605"/>
+                    <a:pt x="1469297" y="1496906"/>
+                  </a:cubicBezTo>
+                  <a:cubicBezTo>
+                    <a:pt x="1286595" y="1668957"/>
+                    <a:pt x="1118818" y="1856190"/>
+                    <a:pt x="967769" y="2056602"/>
+                  </a:cubicBezTo>
+                  <a:cubicBezTo>
+                    <a:pt x="890731" y="2159603"/>
+                    <a:pt x="818800" y="2264590"/>
+                    <a:pt x="754105" y="2368727"/>
+                  </a:cubicBezTo>
+                  <a:cubicBezTo>
+                    <a:pt x="681749" y="2488328"/>
+                    <a:pt x="622304" y="2596720"/>
+                    <a:pt x="572364" y="2701140"/>
+                  </a:cubicBezTo>
+                  <a:cubicBezTo>
+                    <a:pt x="557609" y="2730507"/>
+                    <a:pt x="543989" y="2760443"/>
+                    <a:pt x="532497" y="2786265"/>
+                  </a:cubicBezTo>
+                  <a:lnTo>
+                    <a:pt x="512918" y="2828827"/>
+                  </a:lnTo>
+                  <a:lnTo>
+                    <a:pt x="494475" y="2872240"/>
+                  </a:lnTo>
+                  <a:lnTo>
+                    <a:pt x="491637" y="2878908"/>
+                  </a:lnTo>
+                  <a:cubicBezTo>
+                    <a:pt x="480146" y="2906575"/>
+                    <a:pt x="469220" y="2932821"/>
+                    <a:pt x="459290" y="2959635"/>
+                  </a:cubicBezTo>
+                  <a:cubicBezTo>
+                    <a:pt x="455176" y="2970559"/>
+                    <a:pt x="451060" y="2981484"/>
+                    <a:pt x="446805" y="2992408"/>
+                  </a:cubicBezTo>
+                  <a:cubicBezTo>
+                    <a:pt x="439427" y="3012412"/>
+                    <a:pt x="432333" y="3030572"/>
+                    <a:pt x="426090" y="3049158"/>
+                  </a:cubicBezTo>
+                  <a:lnTo>
+                    <a:pt x="426090" y="3049867"/>
+                  </a:lnTo>
+                  <a:cubicBezTo>
+                    <a:pt x="383010" y="3169099"/>
+                    <a:pt x="346959" y="3290756"/>
+                    <a:pt x="318124" y="3414202"/>
+                  </a:cubicBezTo>
+                  <a:cubicBezTo>
+                    <a:pt x="260107" y="3661703"/>
+                    <a:pt x="230780" y="3915049"/>
+                    <a:pt x="230729" y="4169260"/>
+                  </a:cubicBezTo>
+                  <a:cubicBezTo>
+                    <a:pt x="231621" y="4295173"/>
+                    <a:pt x="244398" y="4420719"/>
+                    <a:pt x="268893" y="4544236"/>
+                  </a:cubicBezTo>
+                  <a:cubicBezTo>
+                    <a:pt x="293708" y="4666304"/>
+                    <a:pt x="330882" y="4785521"/>
+                    <a:pt x="379840" y="4900056"/>
+                  </a:cubicBezTo>
+                  <a:cubicBezTo>
+                    <a:pt x="387926" y="4919919"/>
+                    <a:pt x="397006" y="4939498"/>
+                    <a:pt x="406512" y="4960211"/>
+                  </a:cubicBezTo>
+                  <a:cubicBezTo>
+                    <a:pt x="410343" y="4968299"/>
+                    <a:pt x="414173" y="4976385"/>
+                    <a:pt x="417862" y="4984613"/>
+                  </a:cubicBezTo>
+                  <a:lnTo>
+                    <a:pt x="428077" y="5005043"/>
+                  </a:lnTo>
+                  <a:cubicBezTo>
+                    <a:pt x="438860" y="5026751"/>
+                    <a:pt x="449075" y="5047181"/>
+                    <a:pt x="460140" y="5067327"/>
+                  </a:cubicBezTo>
+                  <a:cubicBezTo>
+                    <a:pt x="485536" y="5116273"/>
+                    <a:pt x="514763" y="5165789"/>
+                    <a:pt x="555197" y="5229773"/>
+                  </a:cubicBezTo>
+                  <a:cubicBezTo>
+                    <a:pt x="586836" y="5280282"/>
+                    <a:pt x="620318" y="5329511"/>
+                    <a:pt x="660611" y="5387396"/>
+                  </a:cubicBezTo>
+                  <a:cubicBezTo>
+                    <a:pt x="698065" y="5440741"/>
+                    <a:pt x="737223" y="5493094"/>
+                    <a:pt x="774110" y="5542182"/>
+                  </a:cubicBezTo>
+                  <a:cubicBezTo>
+                    <a:pt x="821070" y="5604324"/>
+                    <a:pt x="870301" y="5667173"/>
+                    <a:pt x="917829" y="5727896"/>
+                  </a:cubicBezTo>
+                  <a:cubicBezTo>
+                    <a:pt x="949042" y="5767762"/>
+                    <a:pt x="979828" y="5807063"/>
+                    <a:pt x="1012885" y="5849767"/>
+                  </a:cubicBezTo>
+                  <a:cubicBezTo>
+                    <a:pt x="1045942" y="5892471"/>
+                    <a:pt x="1089497" y="5948796"/>
+                    <a:pt x="1133053" y="6006822"/>
+                  </a:cubicBezTo>
+                  <a:cubicBezTo>
+                    <a:pt x="1153624" y="6034345"/>
+                    <a:pt x="1175332" y="6063998"/>
+                    <a:pt x="1194343" y="6090245"/>
+                  </a:cubicBezTo>
+                  <a:cubicBezTo>
+                    <a:pt x="1213355" y="6116491"/>
+                    <a:pt x="1231372" y="6141178"/>
+                    <a:pt x="1249390" y="6165155"/>
+                  </a:cubicBezTo>
+                  <a:cubicBezTo>
+                    <a:pt x="1280461" y="6208000"/>
+                    <a:pt x="1313659" y="6250847"/>
+                    <a:pt x="1345724" y="6292132"/>
+                  </a:cubicBezTo>
+                  <a:lnTo>
+                    <a:pt x="1364310" y="6316251"/>
+                  </a:lnTo>
+                  <a:lnTo>
+                    <a:pt x="1373673" y="6327885"/>
+                  </a:lnTo>
+                  <a:cubicBezTo>
+                    <a:pt x="1409566" y="6372433"/>
+                    <a:pt x="1446738" y="6418542"/>
+                    <a:pt x="1484619" y="6462240"/>
+                  </a:cubicBezTo>
+                  <a:cubicBezTo>
+                    <a:pt x="1567899" y="6559850"/>
+                    <a:pt x="1653876" y="6652211"/>
+                    <a:pt x="1739000" y="6737335"/>
+                  </a:cubicBezTo>
+                  <a:lnTo>
+                    <a:pt x="1866801" y="6858001"/>
+                  </a:lnTo>
+                  <a:lnTo>
+                    <a:pt x="1144149" y="6858001"/>
+                  </a:lnTo>
+                  <a:lnTo>
+                    <a:pt x="1058349" y="6766452"/>
+                  </a:lnTo>
+                  <a:cubicBezTo>
+                    <a:pt x="878978" y="6562465"/>
+                    <a:pt x="718756" y="6341104"/>
+                    <a:pt x="580309" y="6105000"/>
+                  </a:cubicBezTo>
+                  <a:cubicBezTo>
+                    <a:pt x="200401" y="5454007"/>
+                    <a:pt x="146" y="4713831"/>
+                    <a:pt x="1" y="3960094"/>
+                  </a:cubicBezTo>
+                  <a:cubicBezTo>
+                    <a:pt x="-335" y="2196754"/>
+                    <a:pt x="1071479" y="683605"/>
+                    <a:pt x="2599292" y="37050"/>
+                  </a:cubicBezTo>
+                  <a:close/>
+                </a:path>
+              </a:pathLst>
+            </a:custGeom>
+            <a:gradFill>
+              <a:gsLst>
+                <a:gs pos="2000">
+                  <a:schemeClr val="bg1">
+                    <a:alpha val="10000"/>
+                  </a:schemeClr>
+                </a:gs>
+                <a:gs pos="16000">
+                  <a:schemeClr val="accent6">
+                    <a:alpha val="10000"/>
+                  </a:schemeClr>
+                </a:gs>
+                <a:gs pos="100000">
+                  <a:schemeClr val="bg1">
+                    <a:alpha val="10000"/>
+                  </a:schemeClr>
+                </a:gs>
+                <a:gs pos="85000">
+                  <a:schemeClr val="accent1">
+                    <a:alpha val="10000"/>
+                  </a:schemeClr>
+                </a:gs>
+              </a:gsLst>
+              <a:lin ang="12000000" scaled="0"/>
+            </a:gradFill>
+            <a:ln>
+              <a:noFill/>
+            </a:ln>
+          </p:spPr>
+          <p:style>
+            <a:lnRef idx="2">
+              <a:schemeClr val="accent1">
+                <a:shade val="50000"/>
+              </a:schemeClr>
+            </a:lnRef>
+            <a:fillRef idx="1">
+              <a:schemeClr val="accent1"/>
+            </a:fillRef>
+            <a:effectRef idx="0">
+              <a:schemeClr val="accent1"/>
+            </a:effectRef>
+            <a:fontRef idx="minor">
+              <a:schemeClr val="lt1"/>
+            </a:fontRef>
+          </p:style>
+          <p:txBody>
+            <a:bodyPr rtlCol="0" anchor="ctr"/>
+            <a:lstStyle/>
+            <a:p>
+              <a:pPr algn="ctr"/>
+              <a:endParaRPr lang="en-US" dirty="0"/>
+            </a:p>
+          </p:txBody>
+        </p:sp>
+      </p:grpSp>
+    </p:spTree>
+    <p:extLst>
+      <p:ext uri="{BB962C8B-B14F-4D97-AF65-F5344CB8AC3E}">
+        <p14:creationId xmlns:p14="http://schemas.microsoft.com/office/powerpoint/2010/main" val="1330864536"/>
+      </p:ext>
+    </p:extLst>
+  </p:cSld>
+  <p:clrMapOvr>
+    <a:masterClrMapping/>
+  </p:clrMapOvr>
+</p:sld>
+</file>
+
 <file path=ppt/slides/slide2.xml><?xml version="1.0" encoding="utf-8"?>
 <p:sld xmlns:a="http://schemas.openxmlformats.org/drawingml/2006/main" xmlns:r="http://schemas.openxmlformats.org/officeDocument/2006/relationships" xmlns:p="http://schemas.openxmlformats.org/presentationml/2006/main">
   <p:cSld>
@@ -29049,42 +31373,42 @@
 <file path=ppt/theme/theme1.xml><?xml version="1.0" encoding="utf-8"?>
 <a:theme xmlns:a="http://schemas.openxmlformats.org/drawingml/2006/main" name="ערכת נושא Office">
   <a:themeElements>
-    <a:clrScheme name="Office">
+    <a:clrScheme name="כתום">
       <a:dk1>
-        <a:sysClr val="windowText" lastClr="000000"/>
+        <a:srgbClr val="000000"/>
       </a:dk1>
       <a:lt1>
         <a:sysClr val="window" lastClr="FFFFFF"/>
       </a:lt1>
       <a:dk2>
-        <a:srgbClr val="44546A"/>
+        <a:srgbClr val="637052"/>
       </a:dk2>
       <a:lt2>
-        <a:srgbClr val="E7E6E6"/>
+        <a:srgbClr val="CCDDEA"/>
       </a:lt2>
       <a:accent1>
-        <a:srgbClr val="4472C4"/>
+        <a:srgbClr val="E48312"/>
       </a:accent1>
       <a:accent2>
-        <a:srgbClr val="ED7D31"/>
+        <a:srgbClr val="BD582C"/>
       </a:accent2>
       <a:accent3>
-        <a:srgbClr val="A5A5A5"/>
+        <a:srgbClr val="865640"/>
       </a:accent3>
       <a:accent4>
-        <a:srgbClr val="FFC000"/>
+        <a:srgbClr val="9B8357"/>
       </a:accent4>
       <a:accent5>
-        <a:srgbClr val="5B9BD5"/>
+        <a:srgbClr val="C2BC80"/>
       </a:accent5>
       <a:accent6>
-        <a:srgbClr val="70AD47"/>
+        <a:srgbClr val="94A088"/>
       </a:accent6>
       <a:hlink>
-        <a:srgbClr val="0563C1"/>
+        <a:srgbClr val="2998E3"/>
       </a:hlink>
       <a:folHlink>
-        <a:srgbClr val="954F72"/>
+        <a:srgbClr val="8C8C8C"/>
       </a:folHlink>
     </a:clrScheme>
     <a:fontScheme name="Office">

--- a/Presentation.pptx
+++ b/Presentation.pptx
@@ -4159,7 +4159,7 @@
       </p:grpSpPr>
       <p:sp>
         <p:nvSpPr>
-          <p:cNvPr id="25" name="Rectangle 24">
+          <p:cNvPr id="30" name="Rectangle 29">
             <a:extLst>
               <a:ext uri="{FF2B5EF4-FFF2-40B4-BE49-F238E27FC236}">
                 <a16:creationId xmlns:a16="http://schemas.microsoft.com/office/drawing/2014/main" id="{A4AC5506-6312-4701-8D3C-40187889A947}"/>
@@ -4265,10 +4265,10 @@
       </p:sp>
       <p:pic>
         <p:nvPicPr>
-          <p:cNvPr id="5" name="תמונה 4" descr="תמונה שמכילה טקסט, צילום מסך, גופן, קו&#10;&#10;התיאור נוצר באופן אוטומטי">
+          <p:cNvPr id="4" name="תמונה 3" descr="תמונה שמכילה טקסט, צילום מסך, גופן, קו&#10;&#10;התיאור נוצר באופן אוטומטי">
             <a:extLst>
               <a:ext uri="{FF2B5EF4-FFF2-40B4-BE49-F238E27FC236}">
-                <a16:creationId xmlns:a16="http://schemas.microsoft.com/office/drawing/2014/main" id="{57C41B51-C316-4532-4132-44C681C9E107}"/>
+                <a16:creationId xmlns:a16="http://schemas.microsoft.com/office/drawing/2014/main" id="{9E7950B7-FDE4-89E3-0F36-F1813DBC5D13}"/>
               </a:ext>
             </a:extLst>
           </p:cNvPr>
@@ -4285,8 +4285,8 @@
         </p:blipFill>
         <p:spPr>
           <a:xfrm>
-            <a:off x="643467" y="2822714"/>
-            <a:ext cx="10905066" cy="2099224"/>
+            <a:off x="643467" y="2836345"/>
+            <a:ext cx="10905066" cy="2071962"/>
           </a:xfrm>
           <a:prstGeom prst="rect">
             <a:avLst/>
@@ -28000,7 +28000,7 @@
             <a:pPr algn="l" rtl="0"/>
             <a:r>
               <a:rPr lang="en-US" sz="2200" dirty="0"/>
-              <a:t>The goal of this study is to design a perception algorithm that enables an agent to estimate its location in a field containing beacons with known coordinates. The agent's perception is limited to a proximity sensor and an odometer, and it lacks knowledge of its true location. We propose to implement a particle filtering algorithm to estimate the agent's state, known as adaptive particle filtering, which adjusts the number of particles based on the effective sample size. The effectiveness of the algorithm is assessed through simulation and analysis.</a:t>
+              <a:t>The goal of this study is to design a perception algorithm that enables an agent to estimate its location in a field containing beacons with known coordinates. The agent's perception is limited to a proximity sensor and an odometer, and it lacks knowledge of its true location. The effectiveness of the algorithm is assessed through simulation and analysis.</a:t>
             </a:r>
           </a:p>
         </p:txBody>
@@ -28815,7 +28815,7 @@
             <a:pPr algn="l" rtl="0"/>
             <a:r>
               <a:rPr lang="en-US" sz="2200" dirty="0"/>
-              <a:t>The real world is a Euclidean plane within which the beacons are located. It is represented by the set of beacon locations together with the coordinates A and B, representing the terminal points of a trajectory to be followed by the agent. The shape of the path itself is not that important, and so are the locations of the terminal points, but it must pass nearby at least 50% of the beacons. The beacon coordinates, the real numbers, (Xi, Yi), </a:t>
+              <a:t>The real world is a Euclidean plane within which the beacons are located. It is represented by the set of beacon locations together with the coordinates A and B, representing the terminal points of a trajectory to be followed by the agent. The beacon coordinates, the real numbers, (Xi, Yi), </a:t>
             </a:r>
             <a:r>
               <a:rPr lang="en-US" sz="2200" dirty="0" err="1"/>
@@ -29662,7 +29662,7 @@
             </a:r>
             <a:r>
               <a:rPr lang="en-US" sz="2200" dirty="0"/>
-              <a:t>, is its instantaneous location in the real world, i.e., some point along the trajectory you have generated for it. The agent itself is unaware of its actual location and so it tries to estimate it using nearby beacon locations. The agent perceives the world only through its sensors, a very limited proximity sensor and an odometer. In addition, it is provided with the set of beacon locations (</a:t>
+              <a:t>, is its instantaneous location in the real world, i.e., some point along the trajectory we have generated for it. The agent itself is unaware of its actual location and so it tries to estimate it using nearby beacon locations. The agent perceives the world only through its sensors, a very limited proximity sensor and an odometer. In addition, it is provided with the set of beacon locations (</a:t>
             </a:r>
             <a:r>
               <a:rPr lang="en-US" sz="2200" dirty="0" err="1"/>
@@ -30536,7 +30536,7 @@
             </a:pPr>
             <a:r>
               <a:rPr lang="en-US" sz="2200" dirty="0"/>
-              <a:t>Likelihoods calculation</a:t>
+              <a:t>Likelihoods and weights update</a:t>
             </a:r>
           </a:p>
           <a:p>
@@ -30599,7 +30599,7 @@
       </p:grpSpPr>
       <p:sp>
         <p:nvSpPr>
-          <p:cNvPr id="15" name="Rectangle 14">
+          <p:cNvPr id="20" name="Rectangle 19">
             <a:extLst>
               <a:ext uri="{FF2B5EF4-FFF2-40B4-BE49-F238E27FC236}">
                 <a16:creationId xmlns:a16="http://schemas.microsoft.com/office/drawing/2014/main" id="{A4AC5506-6312-4701-8D3C-40187889A947}"/>
@@ -30705,10 +30705,10 @@
       </p:sp>
       <p:pic>
         <p:nvPicPr>
-          <p:cNvPr id="7" name="תמונה 6">
+          <p:cNvPr id="4" name="תמונה 3">
             <a:extLst>
               <a:ext uri="{FF2B5EF4-FFF2-40B4-BE49-F238E27FC236}">
-                <a16:creationId xmlns:a16="http://schemas.microsoft.com/office/drawing/2014/main" id="{6E9AAF10-ED52-06F7-6460-0CBD62F15260}"/>
+                <a16:creationId xmlns:a16="http://schemas.microsoft.com/office/drawing/2014/main" id="{7572039E-E4E6-B4D6-661C-C616AA61178D}"/>
               </a:ext>
             </a:extLst>
           </p:cNvPr>
@@ -30725,8 +30725,8 @@
         </p:blipFill>
         <p:spPr>
           <a:xfrm>
-            <a:off x="643467" y="2059359"/>
-            <a:ext cx="10905066" cy="3625934"/>
+            <a:off x="643467" y="2032097"/>
+            <a:ext cx="10905066" cy="3680458"/>
           </a:xfrm>
           <a:prstGeom prst="rect">
             <a:avLst/>
@@ -30865,7 +30865,7 @@
       </p:grpSpPr>
       <p:sp>
         <p:nvSpPr>
-          <p:cNvPr id="20" name="Rectangle 19">
+          <p:cNvPr id="25" name="Rectangle 24">
             <a:extLst>
               <a:ext uri="{FF2B5EF4-FFF2-40B4-BE49-F238E27FC236}">
                 <a16:creationId xmlns:a16="http://schemas.microsoft.com/office/drawing/2014/main" id="{A4AC5506-6312-4701-8D3C-40187889A947}"/>
@@ -30971,10 +30971,10 @@
       </p:sp>
       <p:pic>
         <p:nvPicPr>
-          <p:cNvPr id="4" name="תמונה 3">
+          <p:cNvPr id="5" name="תמונה 4">
             <a:extLst>
               <a:ext uri="{FF2B5EF4-FFF2-40B4-BE49-F238E27FC236}">
-                <a16:creationId xmlns:a16="http://schemas.microsoft.com/office/drawing/2014/main" id="{96FE28F2-EC23-8951-5421-3A0C512D9748}"/>
+                <a16:creationId xmlns:a16="http://schemas.microsoft.com/office/drawing/2014/main" id="{3BEA7056-4B62-B40B-B384-227F7ECFE264}"/>
               </a:ext>
             </a:extLst>
           </p:cNvPr>
@@ -30991,8 +30991,8 @@
         </p:blipFill>
         <p:spPr>
           <a:xfrm>
-            <a:off x="986467" y="1675227"/>
-            <a:ext cx="10219065" cy="4394199"/>
+            <a:off x="956585" y="1675227"/>
+            <a:ext cx="10278830" cy="4394199"/>
           </a:xfrm>
           <a:prstGeom prst="rect">
             <a:avLst/>
@@ -31131,7 +31131,7 @@
       </p:grpSpPr>
       <p:sp>
         <p:nvSpPr>
-          <p:cNvPr id="20" name="Rectangle 19">
+          <p:cNvPr id="25" name="Rectangle 24">
             <a:extLst>
               <a:ext uri="{FF2B5EF4-FFF2-40B4-BE49-F238E27FC236}">
                 <a16:creationId xmlns:a16="http://schemas.microsoft.com/office/drawing/2014/main" id="{A4AC5506-6312-4701-8D3C-40187889A947}"/>
@@ -31237,10 +31237,10 @@
       </p:sp>
       <p:pic>
         <p:nvPicPr>
-          <p:cNvPr id="4" name="תמונה 3">
+          <p:cNvPr id="5" name="תמונה 4">
             <a:extLst>
               <a:ext uri="{FF2B5EF4-FFF2-40B4-BE49-F238E27FC236}">
-                <a16:creationId xmlns:a16="http://schemas.microsoft.com/office/drawing/2014/main" id="{305BD563-53DE-757F-9DE9-5EA04639D001}"/>
+                <a16:creationId xmlns:a16="http://schemas.microsoft.com/office/drawing/2014/main" id="{0954209D-4475-1B5D-6BCC-CEF922CB29C3}"/>
               </a:ext>
             </a:extLst>
           </p:cNvPr>
@@ -31257,8 +31257,8 @@
         </p:blipFill>
         <p:spPr>
           <a:xfrm>
-            <a:off x="1911048" y="1675227"/>
-            <a:ext cx="8369904" cy="4394199"/>
+            <a:off x="2083032" y="1675227"/>
+            <a:ext cx="8025935" cy="4394199"/>
           </a:xfrm>
           <a:prstGeom prst="rect">
             <a:avLst/>
